--- a/presentations/Tools for testing web services.pptx
+++ b/presentations/Tools for testing web services.pptx
@@ -362,6 +362,11 @@
         </p:txBody>
       </p:sp>
     </p:spTree>
+    <p:extLst>
+      <p:ext uri="{BB962C8B-B14F-4D97-AF65-F5344CB8AC3E}">
+        <p14:creationId xmlns:p14="http://schemas.microsoft.com/office/powerpoint/2010/main" val="2055836642"/>
+      </p:ext>
+    </p:extLst>
   </p:cSld>
   <p:clrMap bg1="lt1" tx1="dk1" bg2="lt2" tx2="dk2" accent1="accent1" accent2="accent2" accent3="accent3" accent4="accent4" accent5="accent5" accent6="accent6" hlink="hlink" folHlink="folHlink"/>
   <p:notesStyle>
@@ -4184,7 +4189,6 @@
               <a:rPr lang="en-US" sz="4800" dirty="0" smtClean="0"/>
               <a:t>Testing Web Services</a:t>
             </a:r>
-            <a:endParaRPr lang="en-US" sz="4800" dirty="0" smtClean="0"/>
           </a:p>
         </p:txBody>
       </p:sp>
@@ -4404,7 +4408,6 @@
               <a:rPr lang="en-US" sz="4800" dirty="0" smtClean="0"/>
               <a:t>SOAPUI</a:t>
             </a:r>
-            <a:endParaRPr lang="en-US" sz="4800" dirty="0" smtClean="0"/>
           </a:p>
         </p:txBody>
       </p:sp>
@@ -4511,7 +4514,6 @@
               <a:rPr lang="en-US" sz="4800" dirty="0" smtClean="0"/>
               <a:t> </a:t>
             </a:r>
-            <a:endParaRPr lang="en-US" sz="4800" dirty="0" smtClean="0"/>
           </a:p>
         </p:txBody>
       </p:sp>

--- a/presentations/Tools for testing web services.pptx
+++ b/presentations/Tools for testing web services.pptx
@@ -5,12 +5,18 @@
     <p:sldMasterId id="2147483648" r:id="rId1"/>
   </p:sldMasterIdLst>
   <p:notesMasterIdLst>
-    <p:notesMasterId r:id="rId5"/>
+    <p:notesMasterId r:id="rId11"/>
   </p:notesMasterIdLst>
   <p:sldIdLst>
     <p:sldId id="257" r:id="rId2"/>
     <p:sldId id="258" r:id="rId3"/>
-    <p:sldId id="259" r:id="rId4"/>
+    <p:sldId id="260" r:id="rId4"/>
+    <p:sldId id="265" r:id="rId5"/>
+    <p:sldId id="261" r:id="rId6"/>
+    <p:sldId id="266" r:id="rId7"/>
+    <p:sldId id="263" r:id="rId8"/>
+    <p:sldId id="264" r:id="rId9"/>
+    <p:sldId id="267" r:id="rId10"/>
   </p:sldIdLst>
   <p:sldSz cx="9144000" cy="6858000" type="screen4x3"/>
   <p:notesSz cx="6858000" cy="9144000"/>
@@ -194,7 +200,8 @@
           <a:p>
             <a:fld id="{0B0E57ED-9692-4494-837A-6B5237BA7989}" type="datetimeFigureOut">
               <a:rPr lang="en-US" smtClean="0"/>
-              <a:t>3/15/2013</a:t>
+              <a:pPr/>
+              <a:t>3/17/2013</a:t>
             </a:fld>
             <a:endParaRPr lang="en-US"/>
           </a:p>
@@ -355,6 +362,7 @@
           <a:p>
             <a:fld id="{C30AED0B-D41E-498F-AF02-63C3660D1526}" type="slidenum">
               <a:rPr lang="en-US" smtClean="0"/>
+              <a:pPr/>
               <a:t>‹#›</a:t>
             </a:fld>
             <a:endParaRPr lang="en-US"/>
@@ -364,7 +372,7 @@
     </p:spTree>
     <p:extLst>
       <p:ext uri="{BB962C8B-B14F-4D97-AF65-F5344CB8AC3E}">
-        <p14:creationId xmlns:p14="http://schemas.microsoft.com/office/powerpoint/2010/main" val="2055836642"/>
+        <p14:creationId xmlns="" xmlns:p14="http://schemas.microsoft.com/office/powerpoint/2010/main" val="2055836642"/>
       </p:ext>
     </p:extLst>
   </p:cSld>
@@ -1070,6 +1078,1218 @@
 </p:notes>
 </file>
 
+<file path=ppt/notesSlides/notesSlide4.xml><?xml version="1.0" encoding="utf-8"?>
+<p:notes xmlns:a="http://schemas.openxmlformats.org/drawingml/2006/main" xmlns:r="http://schemas.openxmlformats.org/officeDocument/2006/relationships" xmlns:p="http://schemas.openxmlformats.org/presentationml/2006/main">
+  <p:cSld>
+    <p:spTree>
+      <p:nvGrpSpPr>
+        <p:cNvPr id="1" name=""/>
+        <p:cNvGrpSpPr/>
+        <p:nvPr/>
+      </p:nvGrpSpPr>
+      <p:grpSpPr>
+        <a:xfrm>
+          <a:off x="0" y="0"/>
+          <a:ext cx="0" cy="0"/>
+          <a:chOff x="0" y="0"/>
+          <a:chExt cx="0" cy="0"/>
+        </a:xfrm>
+      </p:grpSpPr>
+      <p:sp>
+        <p:nvSpPr>
+          <p:cNvPr id="2" name="Slide Image Placeholder 1"/>
+          <p:cNvSpPr>
+            <a:spLocks noGrp="1" noRot="1" noChangeAspect="1"/>
+          </p:cNvSpPr>
+          <p:nvPr>
+            <p:ph type="sldImg"/>
+          </p:nvPr>
+        </p:nvSpPr>
+        <p:spPr/>
+      </p:sp>
+      <p:sp>
+        <p:nvSpPr>
+          <p:cNvPr id="3" name="Notes Placeholder 2"/>
+          <p:cNvSpPr>
+            <a:spLocks noGrp="1"/>
+          </p:cNvSpPr>
+          <p:nvPr>
+            <p:ph type="body" idx="1"/>
+          </p:nvPr>
+        </p:nvSpPr>
+        <p:spPr/>
+        <p:txBody>
+          <a:bodyPr>
+            <a:normAutofit/>
+          </a:bodyPr>
+          <a:lstStyle/>
+          <a:p>
+            <a:r>
+              <a:rPr lang="en-US" sz="1200" i="0" kern="1200" dirty="0" smtClean="0">
+                <a:solidFill>
+                  <a:schemeClr val="tx1"/>
+                </a:solidFill>
+                <a:effectLst/>
+                <a:latin typeface="+mn-lt"/>
+                <a:ea typeface="+mn-ea"/>
+                <a:cs typeface="+mn-cs"/>
+              </a:rPr>
+              <a:t>From the top down: </a:t>
+            </a:r>
+            <a:endParaRPr lang="en-US" sz="1200" i="1" kern="1200" dirty="0" smtClean="0">
+              <a:solidFill>
+                <a:schemeClr val="tx1"/>
+              </a:solidFill>
+              <a:effectLst/>
+              <a:latin typeface="+mn-lt"/>
+              <a:ea typeface="+mn-ea"/>
+              <a:cs typeface="+mn-cs"/>
+            </a:endParaRPr>
+          </a:p>
+          <a:p>
+            <a:r>
+              <a:rPr lang="en-US" sz="1200" i="0" kern="1200" dirty="0" smtClean="0">
+                <a:solidFill>
+                  <a:schemeClr val="tx1"/>
+                </a:solidFill>
+                <a:effectLst/>
+                <a:latin typeface="+mn-lt"/>
+                <a:ea typeface="+mn-ea"/>
+                <a:cs typeface="+mn-cs"/>
+              </a:rPr>
+              <a:t>Browser, HTML, HTTP protocol, TCP/IP, sockets, DNS, routing. </a:t>
+            </a:r>
+          </a:p>
+          <a:p>
+            <a:endParaRPr lang="en-US" sz="1200" i="1" kern="1200" dirty="0" smtClean="0">
+              <a:solidFill>
+                <a:schemeClr val="tx1"/>
+              </a:solidFill>
+              <a:effectLst/>
+              <a:latin typeface="+mn-lt"/>
+              <a:ea typeface="+mn-ea"/>
+              <a:cs typeface="+mn-cs"/>
+            </a:endParaRPr>
+          </a:p>
+          <a:p>
+            <a:r>
+              <a:rPr lang="en-US" sz="1200" kern="1200" dirty="0" smtClean="0">
+                <a:solidFill>
+                  <a:schemeClr val="tx1"/>
+                </a:solidFill>
+                <a:effectLst/>
+                <a:latin typeface="+mn-lt"/>
+                <a:ea typeface="+mn-ea"/>
+                <a:cs typeface="+mn-cs"/>
+              </a:rPr>
+              <a:t>I want to go over the building blocks of a web application.  Not just the widgets and HTML &amp; JavaScript source files, but the underlying architecture, from packets on up to pixels, so we can test it from various perspectives.</a:t>
+            </a:r>
+          </a:p>
+          <a:p>
+            <a:endParaRPr lang="en-US" sz="1200" kern="1200" dirty="0" smtClean="0">
+              <a:solidFill>
+                <a:schemeClr val="tx1"/>
+              </a:solidFill>
+              <a:effectLst/>
+              <a:latin typeface="+mn-lt"/>
+              <a:ea typeface="+mn-ea"/>
+              <a:cs typeface="+mn-cs"/>
+            </a:endParaRPr>
+          </a:p>
+          <a:p>
+            <a:r>
+              <a:rPr lang="en-US" sz="1200" kern="1200" dirty="0" smtClean="0">
+                <a:solidFill>
+                  <a:schemeClr val="tx1"/>
+                </a:solidFill>
+                <a:effectLst/>
+                <a:latin typeface="+mn-lt"/>
+                <a:ea typeface="+mn-ea"/>
+                <a:cs typeface="+mn-cs"/>
+              </a:rPr>
+              <a:t>While it would be tedious to do all of testing at such a low level, sometimes it is useful in troubleshooting difficult problems.  And thinking of how the bits move will sometimes help you in planning for security or performance optimizations.</a:t>
+            </a:r>
+          </a:p>
+          <a:p>
+            <a:endParaRPr lang="en-US" sz="1200" kern="1200" dirty="0" smtClean="0">
+              <a:solidFill>
+                <a:schemeClr val="tx1"/>
+              </a:solidFill>
+              <a:effectLst/>
+              <a:latin typeface="+mn-lt"/>
+              <a:ea typeface="+mn-ea"/>
+              <a:cs typeface="+mn-cs"/>
+            </a:endParaRPr>
+          </a:p>
+          <a:p>
+            <a:r>
+              <a:rPr lang="en-US" sz="1200" kern="1200" dirty="0" smtClean="0">
+                <a:solidFill>
+                  <a:schemeClr val="tx1"/>
+                </a:solidFill>
+                <a:effectLst/>
+                <a:latin typeface="+mn-lt"/>
+                <a:ea typeface="+mn-ea"/>
+                <a:cs typeface="+mn-cs"/>
+              </a:rPr>
+              <a:t>Much of this may already be familiar to you, but bear with me.</a:t>
+            </a:r>
+          </a:p>
+          <a:p>
+            <a:endParaRPr lang="en-US" sz="1200" kern="1200" dirty="0">
+              <a:solidFill>
+                <a:schemeClr val="tx1"/>
+              </a:solidFill>
+              <a:effectLst/>
+              <a:latin typeface="+mn-lt"/>
+              <a:ea typeface="+mn-ea"/>
+              <a:cs typeface="+mn-cs"/>
+            </a:endParaRPr>
+          </a:p>
+        </p:txBody>
+      </p:sp>
+      <p:sp>
+        <p:nvSpPr>
+          <p:cNvPr id="4" name="Slide Number Placeholder 3"/>
+          <p:cNvSpPr>
+            <a:spLocks noGrp="1"/>
+          </p:cNvSpPr>
+          <p:nvPr>
+            <p:ph type="sldNum" sz="quarter" idx="10"/>
+          </p:nvPr>
+        </p:nvSpPr>
+        <p:spPr/>
+        <p:txBody>
+          <a:bodyPr/>
+          <a:lstStyle/>
+          <a:p>
+            <a:fld id="{2468E330-6F11-4EB8-9125-0BEE82D16730}" type="slidenum">
+              <a:rPr lang="en-US" smtClean="0"/>
+              <a:pPr/>
+              <a:t>4</a:t>
+            </a:fld>
+            <a:endParaRPr lang="en-US"/>
+          </a:p>
+        </p:txBody>
+      </p:sp>
+    </p:spTree>
+  </p:cSld>
+  <p:clrMapOvr>
+    <a:masterClrMapping/>
+  </p:clrMapOvr>
+</p:notes>
+</file>
+
+<file path=ppt/notesSlides/notesSlide5.xml><?xml version="1.0" encoding="utf-8"?>
+<p:notes xmlns:a="http://schemas.openxmlformats.org/drawingml/2006/main" xmlns:r="http://schemas.openxmlformats.org/officeDocument/2006/relationships" xmlns:p="http://schemas.openxmlformats.org/presentationml/2006/main">
+  <p:cSld>
+    <p:spTree>
+      <p:nvGrpSpPr>
+        <p:cNvPr id="1" name=""/>
+        <p:cNvGrpSpPr/>
+        <p:nvPr/>
+      </p:nvGrpSpPr>
+      <p:grpSpPr>
+        <a:xfrm>
+          <a:off x="0" y="0"/>
+          <a:ext cx="0" cy="0"/>
+          <a:chOff x="0" y="0"/>
+          <a:chExt cx="0" cy="0"/>
+        </a:xfrm>
+      </p:grpSpPr>
+      <p:sp>
+        <p:nvSpPr>
+          <p:cNvPr id="2" name="Slide Image Placeholder 1"/>
+          <p:cNvSpPr>
+            <a:spLocks noGrp="1" noRot="1" noChangeAspect="1"/>
+          </p:cNvSpPr>
+          <p:nvPr>
+            <p:ph type="sldImg"/>
+          </p:nvPr>
+        </p:nvSpPr>
+        <p:spPr/>
+      </p:sp>
+      <p:sp>
+        <p:nvSpPr>
+          <p:cNvPr id="3" name="Notes Placeholder 2"/>
+          <p:cNvSpPr>
+            <a:spLocks noGrp="1"/>
+          </p:cNvSpPr>
+          <p:nvPr>
+            <p:ph type="body" idx="1"/>
+          </p:nvPr>
+        </p:nvSpPr>
+        <p:spPr/>
+        <p:txBody>
+          <a:bodyPr>
+            <a:normAutofit/>
+          </a:bodyPr>
+          <a:lstStyle/>
+          <a:p>
+            <a:r>
+              <a:rPr lang="en-US" sz="1200" i="0" kern="1200" dirty="0" smtClean="0">
+                <a:solidFill>
+                  <a:schemeClr val="tx1"/>
+                </a:solidFill>
+                <a:effectLst/>
+                <a:latin typeface="+mn-lt"/>
+                <a:ea typeface="+mn-ea"/>
+                <a:cs typeface="+mn-cs"/>
+              </a:rPr>
+              <a:t>From the top down: </a:t>
+            </a:r>
+            <a:endParaRPr lang="en-US" sz="1200" i="1" kern="1200" dirty="0" smtClean="0">
+              <a:solidFill>
+                <a:schemeClr val="tx1"/>
+              </a:solidFill>
+              <a:effectLst/>
+              <a:latin typeface="+mn-lt"/>
+              <a:ea typeface="+mn-ea"/>
+              <a:cs typeface="+mn-cs"/>
+            </a:endParaRPr>
+          </a:p>
+          <a:p>
+            <a:r>
+              <a:rPr lang="en-US" sz="1200" i="0" kern="1200" dirty="0" smtClean="0">
+                <a:solidFill>
+                  <a:schemeClr val="tx1"/>
+                </a:solidFill>
+                <a:effectLst/>
+                <a:latin typeface="+mn-lt"/>
+                <a:ea typeface="+mn-ea"/>
+                <a:cs typeface="+mn-cs"/>
+              </a:rPr>
+              <a:t>Browser, HTML, HTTP protocol, TCP/IP, sockets, DNS, routing. </a:t>
+            </a:r>
+          </a:p>
+          <a:p>
+            <a:endParaRPr lang="en-US" sz="1200" i="1" kern="1200" dirty="0" smtClean="0">
+              <a:solidFill>
+                <a:schemeClr val="tx1"/>
+              </a:solidFill>
+              <a:effectLst/>
+              <a:latin typeface="+mn-lt"/>
+              <a:ea typeface="+mn-ea"/>
+              <a:cs typeface="+mn-cs"/>
+            </a:endParaRPr>
+          </a:p>
+          <a:p>
+            <a:r>
+              <a:rPr lang="en-US" sz="1200" kern="1200" dirty="0" smtClean="0">
+                <a:solidFill>
+                  <a:schemeClr val="tx1"/>
+                </a:solidFill>
+                <a:effectLst/>
+                <a:latin typeface="+mn-lt"/>
+                <a:ea typeface="+mn-ea"/>
+                <a:cs typeface="+mn-cs"/>
+              </a:rPr>
+              <a:t>I want to go over the building blocks of a web application.  Not just the widgets and HTML &amp; JavaScript source files, but the underlying architecture, from packets on up to pixels, so we can test it from various perspectives.</a:t>
+            </a:r>
+          </a:p>
+          <a:p>
+            <a:endParaRPr lang="en-US" sz="1200" kern="1200" dirty="0" smtClean="0">
+              <a:solidFill>
+                <a:schemeClr val="tx1"/>
+              </a:solidFill>
+              <a:effectLst/>
+              <a:latin typeface="+mn-lt"/>
+              <a:ea typeface="+mn-ea"/>
+              <a:cs typeface="+mn-cs"/>
+            </a:endParaRPr>
+          </a:p>
+          <a:p>
+            <a:r>
+              <a:rPr lang="en-US" sz="1200" kern="1200" dirty="0" smtClean="0">
+                <a:solidFill>
+                  <a:schemeClr val="tx1"/>
+                </a:solidFill>
+                <a:effectLst/>
+                <a:latin typeface="+mn-lt"/>
+                <a:ea typeface="+mn-ea"/>
+                <a:cs typeface="+mn-cs"/>
+              </a:rPr>
+              <a:t>While it would be tedious to do all of testing at such a low level, sometimes it is useful in troubleshooting difficult problems.  And thinking of how the bits move will sometimes help you in planning for security or performance optimizations.</a:t>
+            </a:r>
+          </a:p>
+          <a:p>
+            <a:endParaRPr lang="en-US" sz="1200" kern="1200" dirty="0" smtClean="0">
+              <a:solidFill>
+                <a:schemeClr val="tx1"/>
+              </a:solidFill>
+              <a:effectLst/>
+              <a:latin typeface="+mn-lt"/>
+              <a:ea typeface="+mn-ea"/>
+              <a:cs typeface="+mn-cs"/>
+            </a:endParaRPr>
+          </a:p>
+          <a:p>
+            <a:r>
+              <a:rPr lang="en-US" sz="1200" kern="1200" dirty="0" smtClean="0">
+                <a:solidFill>
+                  <a:schemeClr val="tx1"/>
+                </a:solidFill>
+                <a:effectLst/>
+                <a:latin typeface="+mn-lt"/>
+                <a:ea typeface="+mn-ea"/>
+                <a:cs typeface="+mn-cs"/>
+              </a:rPr>
+              <a:t>Much of this may already be familiar to you, but bear with me.</a:t>
+            </a:r>
+          </a:p>
+          <a:p>
+            <a:endParaRPr lang="en-US" sz="1200" kern="1200" dirty="0">
+              <a:solidFill>
+                <a:schemeClr val="tx1"/>
+              </a:solidFill>
+              <a:effectLst/>
+              <a:latin typeface="+mn-lt"/>
+              <a:ea typeface="+mn-ea"/>
+              <a:cs typeface="+mn-cs"/>
+            </a:endParaRPr>
+          </a:p>
+        </p:txBody>
+      </p:sp>
+      <p:sp>
+        <p:nvSpPr>
+          <p:cNvPr id="4" name="Slide Number Placeholder 3"/>
+          <p:cNvSpPr>
+            <a:spLocks noGrp="1"/>
+          </p:cNvSpPr>
+          <p:nvPr>
+            <p:ph type="sldNum" sz="quarter" idx="10"/>
+          </p:nvPr>
+        </p:nvSpPr>
+        <p:spPr/>
+        <p:txBody>
+          <a:bodyPr/>
+          <a:lstStyle/>
+          <a:p>
+            <a:fld id="{2468E330-6F11-4EB8-9125-0BEE82D16730}" type="slidenum">
+              <a:rPr lang="en-US" smtClean="0"/>
+              <a:pPr/>
+              <a:t>5</a:t>
+            </a:fld>
+            <a:endParaRPr lang="en-US"/>
+          </a:p>
+        </p:txBody>
+      </p:sp>
+    </p:spTree>
+  </p:cSld>
+  <p:clrMapOvr>
+    <a:masterClrMapping/>
+  </p:clrMapOvr>
+</p:notes>
+</file>
+
+<file path=ppt/notesSlides/notesSlide6.xml><?xml version="1.0" encoding="utf-8"?>
+<p:notes xmlns:a="http://schemas.openxmlformats.org/drawingml/2006/main" xmlns:r="http://schemas.openxmlformats.org/officeDocument/2006/relationships" xmlns:p="http://schemas.openxmlformats.org/presentationml/2006/main">
+  <p:cSld>
+    <p:spTree>
+      <p:nvGrpSpPr>
+        <p:cNvPr id="1" name=""/>
+        <p:cNvGrpSpPr/>
+        <p:nvPr/>
+      </p:nvGrpSpPr>
+      <p:grpSpPr>
+        <a:xfrm>
+          <a:off x="0" y="0"/>
+          <a:ext cx="0" cy="0"/>
+          <a:chOff x="0" y="0"/>
+          <a:chExt cx="0" cy="0"/>
+        </a:xfrm>
+      </p:grpSpPr>
+      <p:sp>
+        <p:nvSpPr>
+          <p:cNvPr id="2" name="Slide Image Placeholder 1"/>
+          <p:cNvSpPr>
+            <a:spLocks noGrp="1" noRot="1" noChangeAspect="1"/>
+          </p:cNvSpPr>
+          <p:nvPr>
+            <p:ph type="sldImg"/>
+          </p:nvPr>
+        </p:nvSpPr>
+        <p:spPr/>
+      </p:sp>
+      <p:sp>
+        <p:nvSpPr>
+          <p:cNvPr id="3" name="Notes Placeholder 2"/>
+          <p:cNvSpPr>
+            <a:spLocks noGrp="1"/>
+          </p:cNvSpPr>
+          <p:nvPr>
+            <p:ph type="body" idx="1"/>
+          </p:nvPr>
+        </p:nvSpPr>
+        <p:spPr/>
+        <p:txBody>
+          <a:bodyPr>
+            <a:normAutofit/>
+          </a:bodyPr>
+          <a:lstStyle/>
+          <a:p>
+            <a:r>
+              <a:rPr lang="en-US" sz="1200" i="0" kern="1200" dirty="0" smtClean="0">
+                <a:solidFill>
+                  <a:schemeClr val="tx1"/>
+                </a:solidFill>
+                <a:effectLst/>
+                <a:latin typeface="+mn-lt"/>
+                <a:ea typeface="+mn-ea"/>
+                <a:cs typeface="+mn-cs"/>
+              </a:rPr>
+              <a:t>From the top down: </a:t>
+            </a:r>
+            <a:endParaRPr lang="en-US" sz="1200" i="1" kern="1200" dirty="0" smtClean="0">
+              <a:solidFill>
+                <a:schemeClr val="tx1"/>
+              </a:solidFill>
+              <a:effectLst/>
+              <a:latin typeface="+mn-lt"/>
+              <a:ea typeface="+mn-ea"/>
+              <a:cs typeface="+mn-cs"/>
+            </a:endParaRPr>
+          </a:p>
+          <a:p>
+            <a:r>
+              <a:rPr lang="en-US" sz="1200" i="0" kern="1200" dirty="0" smtClean="0">
+                <a:solidFill>
+                  <a:schemeClr val="tx1"/>
+                </a:solidFill>
+                <a:effectLst/>
+                <a:latin typeface="+mn-lt"/>
+                <a:ea typeface="+mn-ea"/>
+                <a:cs typeface="+mn-cs"/>
+              </a:rPr>
+              <a:t>Browser, HTML, HTTP protocol, TCP/IP, sockets, DNS, routing. </a:t>
+            </a:r>
+          </a:p>
+          <a:p>
+            <a:endParaRPr lang="en-US" sz="1200" i="1" kern="1200" dirty="0" smtClean="0">
+              <a:solidFill>
+                <a:schemeClr val="tx1"/>
+              </a:solidFill>
+              <a:effectLst/>
+              <a:latin typeface="+mn-lt"/>
+              <a:ea typeface="+mn-ea"/>
+              <a:cs typeface="+mn-cs"/>
+            </a:endParaRPr>
+          </a:p>
+          <a:p>
+            <a:r>
+              <a:rPr lang="en-US" sz="1200" kern="1200" dirty="0" smtClean="0">
+                <a:solidFill>
+                  <a:schemeClr val="tx1"/>
+                </a:solidFill>
+                <a:effectLst/>
+                <a:latin typeface="+mn-lt"/>
+                <a:ea typeface="+mn-ea"/>
+                <a:cs typeface="+mn-cs"/>
+              </a:rPr>
+              <a:t>I want to go over the building blocks of a web application.  Not just the widgets and HTML &amp; JavaScript source files, but the underlying architecture, from packets on up to pixels, so we can test it from various perspectives.</a:t>
+            </a:r>
+          </a:p>
+          <a:p>
+            <a:endParaRPr lang="en-US" sz="1200" kern="1200" dirty="0" smtClean="0">
+              <a:solidFill>
+                <a:schemeClr val="tx1"/>
+              </a:solidFill>
+              <a:effectLst/>
+              <a:latin typeface="+mn-lt"/>
+              <a:ea typeface="+mn-ea"/>
+              <a:cs typeface="+mn-cs"/>
+            </a:endParaRPr>
+          </a:p>
+          <a:p>
+            <a:r>
+              <a:rPr lang="en-US" sz="1200" kern="1200" dirty="0" smtClean="0">
+                <a:solidFill>
+                  <a:schemeClr val="tx1"/>
+                </a:solidFill>
+                <a:effectLst/>
+                <a:latin typeface="+mn-lt"/>
+                <a:ea typeface="+mn-ea"/>
+                <a:cs typeface="+mn-cs"/>
+              </a:rPr>
+              <a:t>While it would be tedious to do all of testing at such a low level, sometimes it is useful in troubleshooting difficult problems.  And thinking of how the bits move will sometimes help you in planning for security or performance optimizations.</a:t>
+            </a:r>
+          </a:p>
+          <a:p>
+            <a:endParaRPr lang="en-US" sz="1200" kern="1200" dirty="0" smtClean="0">
+              <a:solidFill>
+                <a:schemeClr val="tx1"/>
+              </a:solidFill>
+              <a:effectLst/>
+              <a:latin typeface="+mn-lt"/>
+              <a:ea typeface="+mn-ea"/>
+              <a:cs typeface="+mn-cs"/>
+            </a:endParaRPr>
+          </a:p>
+          <a:p>
+            <a:r>
+              <a:rPr lang="en-US" sz="1200" kern="1200" dirty="0" smtClean="0">
+                <a:solidFill>
+                  <a:schemeClr val="tx1"/>
+                </a:solidFill>
+                <a:effectLst/>
+                <a:latin typeface="+mn-lt"/>
+                <a:ea typeface="+mn-ea"/>
+                <a:cs typeface="+mn-cs"/>
+              </a:rPr>
+              <a:t>Much of this may already be familiar to you, but bear with me.</a:t>
+            </a:r>
+          </a:p>
+          <a:p>
+            <a:endParaRPr lang="en-US" sz="1200" kern="1200" dirty="0">
+              <a:solidFill>
+                <a:schemeClr val="tx1"/>
+              </a:solidFill>
+              <a:effectLst/>
+              <a:latin typeface="+mn-lt"/>
+              <a:ea typeface="+mn-ea"/>
+              <a:cs typeface="+mn-cs"/>
+            </a:endParaRPr>
+          </a:p>
+        </p:txBody>
+      </p:sp>
+      <p:sp>
+        <p:nvSpPr>
+          <p:cNvPr id="4" name="Slide Number Placeholder 3"/>
+          <p:cNvSpPr>
+            <a:spLocks noGrp="1"/>
+          </p:cNvSpPr>
+          <p:nvPr>
+            <p:ph type="sldNum" sz="quarter" idx="10"/>
+          </p:nvPr>
+        </p:nvSpPr>
+        <p:spPr/>
+        <p:txBody>
+          <a:bodyPr/>
+          <a:lstStyle/>
+          <a:p>
+            <a:fld id="{2468E330-6F11-4EB8-9125-0BEE82D16730}" type="slidenum">
+              <a:rPr lang="en-US" smtClean="0"/>
+              <a:pPr/>
+              <a:t>6</a:t>
+            </a:fld>
+            <a:endParaRPr lang="en-US"/>
+          </a:p>
+        </p:txBody>
+      </p:sp>
+    </p:spTree>
+  </p:cSld>
+  <p:clrMapOvr>
+    <a:masterClrMapping/>
+  </p:clrMapOvr>
+</p:notes>
+</file>
+
+<file path=ppt/notesSlides/notesSlide7.xml><?xml version="1.0" encoding="utf-8"?>
+<p:notes xmlns:a="http://schemas.openxmlformats.org/drawingml/2006/main" xmlns:r="http://schemas.openxmlformats.org/officeDocument/2006/relationships" xmlns:p="http://schemas.openxmlformats.org/presentationml/2006/main">
+  <p:cSld>
+    <p:spTree>
+      <p:nvGrpSpPr>
+        <p:cNvPr id="1" name=""/>
+        <p:cNvGrpSpPr/>
+        <p:nvPr/>
+      </p:nvGrpSpPr>
+      <p:grpSpPr>
+        <a:xfrm>
+          <a:off x="0" y="0"/>
+          <a:ext cx="0" cy="0"/>
+          <a:chOff x="0" y="0"/>
+          <a:chExt cx="0" cy="0"/>
+        </a:xfrm>
+      </p:grpSpPr>
+      <p:sp>
+        <p:nvSpPr>
+          <p:cNvPr id="2" name="Slide Image Placeholder 1"/>
+          <p:cNvSpPr>
+            <a:spLocks noGrp="1" noRot="1" noChangeAspect="1"/>
+          </p:cNvSpPr>
+          <p:nvPr>
+            <p:ph type="sldImg"/>
+          </p:nvPr>
+        </p:nvSpPr>
+        <p:spPr/>
+      </p:sp>
+      <p:sp>
+        <p:nvSpPr>
+          <p:cNvPr id="3" name="Notes Placeholder 2"/>
+          <p:cNvSpPr>
+            <a:spLocks noGrp="1"/>
+          </p:cNvSpPr>
+          <p:nvPr>
+            <p:ph type="body" idx="1"/>
+          </p:nvPr>
+        </p:nvSpPr>
+        <p:spPr/>
+        <p:txBody>
+          <a:bodyPr>
+            <a:normAutofit/>
+          </a:bodyPr>
+          <a:lstStyle/>
+          <a:p>
+            <a:r>
+              <a:rPr lang="en-US" sz="1200" i="0" kern="1200" dirty="0" smtClean="0">
+                <a:solidFill>
+                  <a:schemeClr val="tx1"/>
+                </a:solidFill>
+                <a:effectLst/>
+                <a:latin typeface="+mn-lt"/>
+                <a:ea typeface="+mn-ea"/>
+                <a:cs typeface="+mn-cs"/>
+              </a:rPr>
+              <a:t>From the top down: </a:t>
+            </a:r>
+            <a:endParaRPr lang="en-US" sz="1200" i="1" kern="1200" dirty="0" smtClean="0">
+              <a:solidFill>
+                <a:schemeClr val="tx1"/>
+              </a:solidFill>
+              <a:effectLst/>
+              <a:latin typeface="+mn-lt"/>
+              <a:ea typeface="+mn-ea"/>
+              <a:cs typeface="+mn-cs"/>
+            </a:endParaRPr>
+          </a:p>
+          <a:p>
+            <a:r>
+              <a:rPr lang="en-US" sz="1200" i="0" kern="1200" dirty="0" smtClean="0">
+                <a:solidFill>
+                  <a:schemeClr val="tx1"/>
+                </a:solidFill>
+                <a:effectLst/>
+                <a:latin typeface="+mn-lt"/>
+                <a:ea typeface="+mn-ea"/>
+                <a:cs typeface="+mn-cs"/>
+              </a:rPr>
+              <a:t>Browser, HTML, HTTP protocol, TCP/IP, sockets, DNS, routing. </a:t>
+            </a:r>
+          </a:p>
+          <a:p>
+            <a:endParaRPr lang="en-US" sz="1200" i="1" kern="1200" dirty="0" smtClean="0">
+              <a:solidFill>
+                <a:schemeClr val="tx1"/>
+              </a:solidFill>
+              <a:effectLst/>
+              <a:latin typeface="+mn-lt"/>
+              <a:ea typeface="+mn-ea"/>
+              <a:cs typeface="+mn-cs"/>
+            </a:endParaRPr>
+          </a:p>
+          <a:p>
+            <a:r>
+              <a:rPr lang="en-US" sz="1200" kern="1200" dirty="0" smtClean="0">
+                <a:solidFill>
+                  <a:schemeClr val="tx1"/>
+                </a:solidFill>
+                <a:effectLst/>
+                <a:latin typeface="+mn-lt"/>
+                <a:ea typeface="+mn-ea"/>
+                <a:cs typeface="+mn-cs"/>
+              </a:rPr>
+              <a:t>I want to go over the building blocks of a web application.  Not just the widgets and HTML &amp; JavaScript source files, but the underlying architecture, from packets on up to pixels, so we can test it from various perspectives.</a:t>
+            </a:r>
+          </a:p>
+          <a:p>
+            <a:endParaRPr lang="en-US" sz="1200" kern="1200" dirty="0" smtClean="0">
+              <a:solidFill>
+                <a:schemeClr val="tx1"/>
+              </a:solidFill>
+              <a:effectLst/>
+              <a:latin typeface="+mn-lt"/>
+              <a:ea typeface="+mn-ea"/>
+              <a:cs typeface="+mn-cs"/>
+            </a:endParaRPr>
+          </a:p>
+          <a:p>
+            <a:r>
+              <a:rPr lang="en-US" sz="1200" kern="1200" dirty="0" smtClean="0">
+                <a:solidFill>
+                  <a:schemeClr val="tx1"/>
+                </a:solidFill>
+                <a:effectLst/>
+                <a:latin typeface="+mn-lt"/>
+                <a:ea typeface="+mn-ea"/>
+                <a:cs typeface="+mn-cs"/>
+              </a:rPr>
+              <a:t>While it would be tedious to do all of testing at such a low level, sometimes it is useful in troubleshooting difficult problems.  And thinking of how the bits move will sometimes help you in planning for security or performance optimizations.</a:t>
+            </a:r>
+          </a:p>
+          <a:p>
+            <a:endParaRPr lang="en-US" sz="1200" kern="1200" dirty="0" smtClean="0">
+              <a:solidFill>
+                <a:schemeClr val="tx1"/>
+              </a:solidFill>
+              <a:effectLst/>
+              <a:latin typeface="+mn-lt"/>
+              <a:ea typeface="+mn-ea"/>
+              <a:cs typeface="+mn-cs"/>
+            </a:endParaRPr>
+          </a:p>
+          <a:p>
+            <a:r>
+              <a:rPr lang="en-US" sz="1200" kern="1200" dirty="0" smtClean="0">
+                <a:solidFill>
+                  <a:schemeClr val="tx1"/>
+                </a:solidFill>
+                <a:effectLst/>
+                <a:latin typeface="+mn-lt"/>
+                <a:ea typeface="+mn-ea"/>
+                <a:cs typeface="+mn-cs"/>
+              </a:rPr>
+              <a:t>Much of this may already be familiar to you, but bear with me.</a:t>
+            </a:r>
+          </a:p>
+          <a:p>
+            <a:endParaRPr lang="en-US" sz="1200" kern="1200" dirty="0">
+              <a:solidFill>
+                <a:schemeClr val="tx1"/>
+              </a:solidFill>
+              <a:effectLst/>
+              <a:latin typeface="+mn-lt"/>
+              <a:ea typeface="+mn-ea"/>
+              <a:cs typeface="+mn-cs"/>
+            </a:endParaRPr>
+          </a:p>
+        </p:txBody>
+      </p:sp>
+      <p:sp>
+        <p:nvSpPr>
+          <p:cNvPr id="4" name="Slide Number Placeholder 3"/>
+          <p:cNvSpPr>
+            <a:spLocks noGrp="1"/>
+          </p:cNvSpPr>
+          <p:nvPr>
+            <p:ph type="sldNum" sz="quarter" idx="10"/>
+          </p:nvPr>
+        </p:nvSpPr>
+        <p:spPr/>
+        <p:txBody>
+          <a:bodyPr/>
+          <a:lstStyle/>
+          <a:p>
+            <a:fld id="{2468E330-6F11-4EB8-9125-0BEE82D16730}" type="slidenum">
+              <a:rPr lang="en-US" smtClean="0"/>
+              <a:pPr/>
+              <a:t>7</a:t>
+            </a:fld>
+            <a:endParaRPr lang="en-US"/>
+          </a:p>
+        </p:txBody>
+      </p:sp>
+    </p:spTree>
+  </p:cSld>
+  <p:clrMapOvr>
+    <a:masterClrMapping/>
+  </p:clrMapOvr>
+</p:notes>
+</file>
+
+<file path=ppt/notesSlides/notesSlide8.xml><?xml version="1.0" encoding="utf-8"?>
+<p:notes xmlns:a="http://schemas.openxmlformats.org/drawingml/2006/main" xmlns:r="http://schemas.openxmlformats.org/officeDocument/2006/relationships" xmlns:p="http://schemas.openxmlformats.org/presentationml/2006/main">
+  <p:cSld>
+    <p:spTree>
+      <p:nvGrpSpPr>
+        <p:cNvPr id="1" name=""/>
+        <p:cNvGrpSpPr/>
+        <p:nvPr/>
+      </p:nvGrpSpPr>
+      <p:grpSpPr>
+        <a:xfrm>
+          <a:off x="0" y="0"/>
+          <a:ext cx="0" cy="0"/>
+          <a:chOff x="0" y="0"/>
+          <a:chExt cx="0" cy="0"/>
+        </a:xfrm>
+      </p:grpSpPr>
+      <p:sp>
+        <p:nvSpPr>
+          <p:cNvPr id="2" name="Slide Image Placeholder 1"/>
+          <p:cNvSpPr>
+            <a:spLocks noGrp="1" noRot="1" noChangeAspect="1"/>
+          </p:cNvSpPr>
+          <p:nvPr>
+            <p:ph type="sldImg"/>
+          </p:nvPr>
+        </p:nvSpPr>
+        <p:spPr/>
+      </p:sp>
+      <p:sp>
+        <p:nvSpPr>
+          <p:cNvPr id="3" name="Notes Placeholder 2"/>
+          <p:cNvSpPr>
+            <a:spLocks noGrp="1"/>
+          </p:cNvSpPr>
+          <p:nvPr>
+            <p:ph type="body" idx="1"/>
+          </p:nvPr>
+        </p:nvSpPr>
+        <p:spPr/>
+        <p:txBody>
+          <a:bodyPr>
+            <a:normAutofit/>
+          </a:bodyPr>
+          <a:lstStyle/>
+          <a:p>
+            <a:r>
+              <a:rPr lang="en-US" sz="1200" i="0" kern="1200" dirty="0" smtClean="0">
+                <a:solidFill>
+                  <a:schemeClr val="tx1"/>
+                </a:solidFill>
+                <a:effectLst/>
+                <a:latin typeface="+mn-lt"/>
+                <a:ea typeface="+mn-ea"/>
+                <a:cs typeface="+mn-cs"/>
+              </a:rPr>
+              <a:t>From the top down: </a:t>
+            </a:r>
+            <a:endParaRPr lang="en-US" sz="1200" i="1" kern="1200" dirty="0" smtClean="0">
+              <a:solidFill>
+                <a:schemeClr val="tx1"/>
+              </a:solidFill>
+              <a:effectLst/>
+              <a:latin typeface="+mn-lt"/>
+              <a:ea typeface="+mn-ea"/>
+              <a:cs typeface="+mn-cs"/>
+            </a:endParaRPr>
+          </a:p>
+          <a:p>
+            <a:r>
+              <a:rPr lang="en-US" sz="1200" i="0" kern="1200" dirty="0" smtClean="0">
+                <a:solidFill>
+                  <a:schemeClr val="tx1"/>
+                </a:solidFill>
+                <a:effectLst/>
+                <a:latin typeface="+mn-lt"/>
+                <a:ea typeface="+mn-ea"/>
+                <a:cs typeface="+mn-cs"/>
+              </a:rPr>
+              <a:t>Browser, HTML, HTTP protocol, TCP/IP, sockets, DNS, routing. </a:t>
+            </a:r>
+          </a:p>
+          <a:p>
+            <a:endParaRPr lang="en-US" sz="1200" i="1" kern="1200" dirty="0" smtClean="0">
+              <a:solidFill>
+                <a:schemeClr val="tx1"/>
+              </a:solidFill>
+              <a:effectLst/>
+              <a:latin typeface="+mn-lt"/>
+              <a:ea typeface="+mn-ea"/>
+              <a:cs typeface="+mn-cs"/>
+            </a:endParaRPr>
+          </a:p>
+          <a:p>
+            <a:r>
+              <a:rPr lang="en-US" sz="1200" kern="1200" dirty="0" smtClean="0">
+                <a:solidFill>
+                  <a:schemeClr val="tx1"/>
+                </a:solidFill>
+                <a:effectLst/>
+                <a:latin typeface="+mn-lt"/>
+                <a:ea typeface="+mn-ea"/>
+                <a:cs typeface="+mn-cs"/>
+              </a:rPr>
+              <a:t>I want to go over the building blocks of a web application.  Not just the widgets and HTML &amp; JavaScript source files, but the underlying architecture, from packets on up to pixels, so we can test it from various perspectives.</a:t>
+            </a:r>
+          </a:p>
+          <a:p>
+            <a:endParaRPr lang="en-US" sz="1200" kern="1200" dirty="0" smtClean="0">
+              <a:solidFill>
+                <a:schemeClr val="tx1"/>
+              </a:solidFill>
+              <a:effectLst/>
+              <a:latin typeface="+mn-lt"/>
+              <a:ea typeface="+mn-ea"/>
+              <a:cs typeface="+mn-cs"/>
+            </a:endParaRPr>
+          </a:p>
+          <a:p>
+            <a:r>
+              <a:rPr lang="en-US" sz="1200" kern="1200" dirty="0" smtClean="0">
+                <a:solidFill>
+                  <a:schemeClr val="tx1"/>
+                </a:solidFill>
+                <a:effectLst/>
+                <a:latin typeface="+mn-lt"/>
+                <a:ea typeface="+mn-ea"/>
+                <a:cs typeface="+mn-cs"/>
+              </a:rPr>
+              <a:t>While it would be tedious to do all of testing at such a low level, sometimes it is useful in troubleshooting difficult problems.  And thinking of how the bits move will sometimes help you in planning for security or performance optimizations.</a:t>
+            </a:r>
+          </a:p>
+          <a:p>
+            <a:endParaRPr lang="en-US" sz="1200" kern="1200" dirty="0" smtClean="0">
+              <a:solidFill>
+                <a:schemeClr val="tx1"/>
+              </a:solidFill>
+              <a:effectLst/>
+              <a:latin typeface="+mn-lt"/>
+              <a:ea typeface="+mn-ea"/>
+              <a:cs typeface="+mn-cs"/>
+            </a:endParaRPr>
+          </a:p>
+          <a:p>
+            <a:r>
+              <a:rPr lang="en-US" sz="1200" kern="1200" dirty="0" smtClean="0">
+                <a:solidFill>
+                  <a:schemeClr val="tx1"/>
+                </a:solidFill>
+                <a:effectLst/>
+                <a:latin typeface="+mn-lt"/>
+                <a:ea typeface="+mn-ea"/>
+                <a:cs typeface="+mn-cs"/>
+              </a:rPr>
+              <a:t>Much of this may already be familiar to you, but bear with me.</a:t>
+            </a:r>
+          </a:p>
+          <a:p>
+            <a:endParaRPr lang="en-US" sz="1200" kern="1200" dirty="0">
+              <a:solidFill>
+                <a:schemeClr val="tx1"/>
+              </a:solidFill>
+              <a:effectLst/>
+              <a:latin typeface="+mn-lt"/>
+              <a:ea typeface="+mn-ea"/>
+              <a:cs typeface="+mn-cs"/>
+            </a:endParaRPr>
+          </a:p>
+        </p:txBody>
+      </p:sp>
+      <p:sp>
+        <p:nvSpPr>
+          <p:cNvPr id="4" name="Slide Number Placeholder 3"/>
+          <p:cNvSpPr>
+            <a:spLocks noGrp="1"/>
+          </p:cNvSpPr>
+          <p:nvPr>
+            <p:ph type="sldNum" sz="quarter" idx="10"/>
+          </p:nvPr>
+        </p:nvSpPr>
+        <p:spPr/>
+        <p:txBody>
+          <a:bodyPr/>
+          <a:lstStyle/>
+          <a:p>
+            <a:fld id="{2468E330-6F11-4EB8-9125-0BEE82D16730}" type="slidenum">
+              <a:rPr lang="en-US" smtClean="0"/>
+              <a:pPr/>
+              <a:t>8</a:t>
+            </a:fld>
+            <a:endParaRPr lang="en-US"/>
+          </a:p>
+        </p:txBody>
+      </p:sp>
+    </p:spTree>
+  </p:cSld>
+  <p:clrMapOvr>
+    <a:masterClrMapping/>
+  </p:clrMapOvr>
+</p:notes>
+</file>
+
+<file path=ppt/notesSlides/notesSlide9.xml><?xml version="1.0" encoding="utf-8"?>
+<p:notes xmlns:a="http://schemas.openxmlformats.org/drawingml/2006/main" xmlns:r="http://schemas.openxmlformats.org/officeDocument/2006/relationships" xmlns:p="http://schemas.openxmlformats.org/presentationml/2006/main">
+  <p:cSld>
+    <p:spTree>
+      <p:nvGrpSpPr>
+        <p:cNvPr id="1" name=""/>
+        <p:cNvGrpSpPr/>
+        <p:nvPr/>
+      </p:nvGrpSpPr>
+      <p:grpSpPr>
+        <a:xfrm>
+          <a:off x="0" y="0"/>
+          <a:ext cx="0" cy="0"/>
+          <a:chOff x="0" y="0"/>
+          <a:chExt cx="0" cy="0"/>
+        </a:xfrm>
+      </p:grpSpPr>
+      <p:sp>
+        <p:nvSpPr>
+          <p:cNvPr id="2" name="Slide Image Placeholder 1"/>
+          <p:cNvSpPr>
+            <a:spLocks noGrp="1" noRot="1" noChangeAspect="1"/>
+          </p:cNvSpPr>
+          <p:nvPr>
+            <p:ph type="sldImg"/>
+          </p:nvPr>
+        </p:nvSpPr>
+        <p:spPr/>
+      </p:sp>
+      <p:sp>
+        <p:nvSpPr>
+          <p:cNvPr id="3" name="Notes Placeholder 2"/>
+          <p:cNvSpPr>
+            <a:spLocks noGrp="1"/>
+          </p:cNvSpPr>
+          <p:nvPr>
+            <p:ph type="body" idx="1"/>
+          </p:nvPr>
+        </p:nvSpPr>
+        <p:spPr/>
+        <p:txBody>
+          <a:bodyPr>
+            <a:normAutofit/>
+          </a:bodyPr>
+          <a:lstStyle/>
+          <a:p>
+            <a:r>
+              <a:rPr lang="en-US" sz="1200" i="0" kern="1200" dirty="0" smtClean="0">
+                <a:solidFill>
+                  <a:schemeClr val="tx1"/>
+                </a:solidFill>
+                <a:effectLst/>
+                <a:latin typeface="+mn-lt"/>
+                <a:ea typeface="+mn-ea"/>
+                <a:cs typeface="+mn-cs"/>
+              </a:rPr>
+              <a:t>From the top down: </a:t>
+            </a:r>
+            <a:endParaRPr lang="en-US" sz="1200" i="1" kern="1200" dirty="0" smtClean="0">
+              <a:solidFill>
+                <a:schemeClr val="tx1"/>
+              </a:solidFill>
+              <a:effectLst/>
+              <a:latin typeface="+mn-lt"/>
+              <a:ea typeface="+mn-ea"/>
+              <a:cs typeface="+mn-cs"/>
+            </a:endParaRPr>
+          </a:p>
+          <a:p>
+            <a:r>
+              <a:rPr lang="en-US" sz="1200" i="0" kern="1200" dirty="0" smtClean="0">
+                <a:solidFill>
+                  <a:schemeClr val="tx1"/>
+                </a:solidFill>
+                <a:effectLst/>
+                <a:latin typeface="+mn-lt"/>
+                <a:ea typeface="+mn-ea"/>
+                <a:cs typeface="+mn-cs"/>
+              </a:rPr>
+              <a:t>Browser, HTML, HTTP protocol, TCP/IP, sockets, DNS, routing. </a:t>
+            </a:r>
+          </a:p>
+          <a:p>
+            <a:endParaRPr lang="en-US" sz="1200" i="1" kern="1200" dirty="0" smtClean="0">
+              <a:solidFill>
+                <a:schemeClr val="tx1"/>
+              </a:solidFill>
+              <a:effectLst/>
+              <a:latin typeface="+mn-lt"/>
+              <a:ea typeface="+mn-ea"/>
+              <a:cs typeface="+mn-cs"/>
+            </a:endParaRPr>
+          </a:p>
+          <a:p>
+            <a:r>
+              <a:rPr lang="en-US" sz="1200" kern="1200" dirty="0" smtClean="0">
+                <a:solidFill>
+                  <a:schemeClr val="tx1"/>
+                </a:solidFill>
+                <a:effectLst/>
+                <a:latin typeface="+mn-lt"/>
+                <a:ea typeface="+mn-ea"/>
+                <a:cs typeface="+mn-cs"/>
+              </a:rPr>
+              <a:t>I want to go over the building blocks of a web application.  Not just the widgets and HTML &amp; JavaScript source files, but the underlying architecture, from packets on up to pixels, so we can test it from various perspectives.</a:t>
+            </a:r>
+          </a:p>
+          <a:p>
+            <a:endParaRPr lang="en-US" sz="1200" kern="1200" dirty="0" smtClean="0">
+              <a:solidFill>
+                <a:schemeClr val="tx1"/>
+              </a:solidFill>
+              <a:effectLst/>
+              <a:latin typeface="+mn-lt"/>
+              <a:ea typeface="+mn-ea"/>
+              <a:cs typeface="+mn-cs"/>
+            </a:endParaRPr>
+          </a:p>
+          <a:p>
+            <a:r>
+              <a:rPr lang="en-US" sz="1200" kern="1200" dirty="0" smtClean="0">
+                <a:solidFill>
+                  <a:schemeClr val="tx1"/>
+                </a:solidFill>
+                <a:effectLst/>
+                <a:latin typeface="+mn-lt"/>
+                <a:ea typeface="+mn-ea"/>
+                <a:cs typeface="+mn-cs"/>
+              </a:rPr>
+              <a:t>While it would be tedious to do all of testing at such a low level, sometimes it is useful in troubleshooting difficult problems.  And thinking of how the bits move will sometimes help you in planning for security or performance optimizations.</a:t>
+            </a:r>
+          </a:p>
+          <a:p>
+            <a:endParaRPr lang="en-US" sz="1200" kern="1200" dirty="0" smtClean="0">
+              <a:solidFill>
+                <a:schemeClr val="tx1"/>
+              </a:solidFill>
+              <a:effectLst/>
+              <a:latin typeface="+mn-lt"/>
+              <a:ea typeface="+mn-ea"/>
+              <a:cs typeface="+mn-cs"/>
+            </a:endParaRPr>
+          </a:p>
+          <a:p>
+            <a:r>
+              <a:rPr lang="en-US" sz="1200" kern="1200" dirty="0" smtClean="0">
+                <a:solidFill>
+                  <a:schemeClr val="tx1"/>
+                </a:solidFill>
+                <a:effectLst/>
+                <a:latin typeface="+mn-lt"/>
+                <a:ea typeface="+mn-ea"/>
+                <a:cs typeface="+mn-cs"/>
+              </a:rPr>
+              <a:t>Much of this may already be familiar to you, but bear with me.</a:t>
+            </a:r>
+          </a:p>
+          <a:p>
+            <a:endParaRPr lang="en-US" sz="1200" kern="1200" dirty="0">
+              <a:solidFill>
+                <a:schemeClr val="tx1"/>
+              </a:solidFill>
+              <a:effectLst/>
+              <a:latin typeface="+mn-lt"/>
+              <a:ea typeface="+mn-ea"/>
+              <a:cs typeface="+mn-cs"/>
+            </a:endParaRPr>
+          </a:p>
+        </p:txBody>
+      </p:sp>
+      <p:sp>
+        <p:nvSpPr>
+          <p:cNvPr id="4" name="Slide Number Placeholder 3"/>
+          <p:cNvSpPr>
+            <a:spLocks noGrp="1"/>
+          </p:cNvSpPr>
+          <p:nvPr>
+            <p:ph type="sldNum" sz="quarter" idx="10"/>
+          </p:nvPr>
+        </p:nvSpPr>
+        <p:spPr/>
+        <p:txBody>
+          <a:bodyPr/>
+          <a:lstStyle/>
+          <a:p>
+            <a:fld id="{2468E330-6F11-4EB8-9125-0BEE82D16730}" type="slidenum">
+              <a:rPr lang="en-US" smtClean="0"/>
+              <a:pPr/>
+              <a:t>9</a:t>
+            </a:fld>
+            <a:endParaRPr lang="en-US"/>
+          </a:p>
+        </p:txBody>
+      </p:sp>
+    </p:spTree>
+  </p:cSld>
+  <p:clrMapOvr>
+    <a:masterClrMapping/>
+  </p:clrMapOvr>
+</p:notes>
+</file>
+
 <file path=ppt/slideLayouts/slideLayout1.xml><?xml version="1.0" encoding="utf-8"?>
 <p:sldLayout xmlns:a="http://schemas.openxmlformats.org/drawingml/2006/main" xmlns:r="http://schemas.openxmlformats.org/officeDocument/2006/relationships" xmlns:p="http://schemas.openxmlformats.org/presentationml/2006/main" type="title" preserve="1">
   <p:cSld name="Title Slide">
@@ -1251,7 +2471,8 @@
           <a:p>
             <a:fld id="{147A184A-ADA6-4751-8E63-A4C1A2538450}" type="datetimeFigureOut">
               <a:rPr lang="en-US" smtClean="0"/>
-              <a:t>3/15/2013</a:t>
+              <a:pPr/>
+              <a:t>3/17/2013</a:t>
             </a:fld>
             <a:endParaRPr lang="en-US"/>
           </a:p>
@@ -1293,6 +2514,7 @@
           <a:p>
             <a:fld id="{1ABC974E-B3DF-41BF-9A7B-181A757EC781}" type="slidenum">
               <a:rPr lang="en-US" smtClean="0"/>
+              <a:pPr/>
               <a:t>‹#›</a:t>
             </a:fld>
             <a:endParaRPr lang="en-US"/>
@@ -1416,7 +2638,8 @@
           <a:p>
             <a:fld id="{147A184A-ADA6-4751-8E63-A4C1A2538450}" type="datetimeFigureOut">
               <a:rPr lang="en-US" smtClean="0"/>
-              <a:t>3/15/2013</a:t>
+              <a:pPr/>
+              <a:t>3/17/2013</a:t>
             </a:fld>
             <a:endParaRPr lang="en-US"/>
           </a:p>
@@ -1458,6 +2681,7 @@
           <a:p>
             <a:fld id="{1ABC974E-B3DF-41BF-9A7B-181A757EC781}" type="slidenum">
               <a:rPr lang="en-US" smtClean="0"/>
+              <a:pPr/>
               <a:t>‹#›</a:t>
             </a:fld>
             <a:endParaRPr lang="en-US"/>
@@ -1591,7 +2815,8 @@
           <a:p>
             <a:fld id="{147A184A-ADA6-4751-8E63-A4C1A2538450}" type="datetimeFigureOut">
               <a:rPr lang="en-US" smtClean="0"/>
-              <a:t>3/15/2013</a:t>
+              <a:pPr/>
+              <a:t>3/17/2013</a:t>
             </a:fld>
             <a:endParaRPr lang="en-US"/>
           </a:p>
@@ -1633,6 +2858,7 @@
           <a:p>
             <a:fld id="{1ABC974E-B3DF-41BF-9A7B-181A757EC781}" type="slidenum">
               <a:rPr lang="en-US" smtClean="0"/>
+              <a:pPr/>
               <a:t>‹#›</a:t>
             </a:fld>
             <a:endParaRPr lang="en-US"/>
@@ -1756,7 +2982,8 @@
           <a:p>
             <a:fld id="{147A184A-ADA6-4751-8E63-A4C1A2538450}" type="datetimeFigureOut">
               <a:rPr lang="en-US" smtClean="0"/>
-              <a:t>3/15/2013</a:t>
+              <a:pPr/>
+              <a:t>3/17/2013</a:t>
             </a:fld>
             <a:endParaRPr lang="en-US"/>
           </a:p>
@@ -1798,6 +3025,7 @@
           <a:p>
             <a:fld id="{1ABC974E-B3DF-41BF-9A7B-181A757EC781}" type="slidenum">
               <a:rPr lang="en-US" smtClean="0"/>
+              <a:pPr/>
               <a:t>‹#›</a:t>
             </a:fld>
             <a:endParaRPr lang="en-US"/>
@@ -1997,7 +3225,8 @@
           <a:p>
             <a:fld id="{147A184A-ADA6-4751-8E63-A4C1A2538450}" type="datetimeFigureOut">
               <a:rPr lang="en-US" smtClean="0"/>
-              <a:t>3/15/2013</a:t>
+              <a:pPr/>
+              <a:t>3/17/2013</a:t>
             </a:fld>
             <a:endParaRPr lang="en-US"/>
           </a:p>
@@ -2039,6 +3268,7 @@
           <a:p>
             <a:fld id="{1ABC974E-B3DF-41BF-9A7B-181A757EC781}" type="slidenum">
               <a:rPr lang="en-US" smtClean="0"/>
+              <a:pPr/>
               <a:t>‹#›</a:t>
             </a:fld>
             <a:endParaRPr lang="en-US"/>
@@ -2280,7 +3510,8 @@
           <a:p>
             <a:fld id="{147A184A-ADA6-4751-8E63-A4C1A2538450}" type="datetimeFigureOut">
               <a:rPr lang="en-US" smtClean="0"/>
-              <a:t>3/15/2013</a:t>
+              <a:pPr/>
+              <a:t>3/17/2013</a:t>
             </a:fld>
             <a:endParaRPr lang="en-US"/>
           </a:p>
@@ -2322,6 +3553,7 @@
           <a:p>
             <a:fld id="{1ABC974E-B3DF-41BF-9A7B-181A757EC781}" type="slidenum">
               <a:rPr lang="en-US" smtClean="0"/>
+              <a:pPr/>
               <a:t>‹#›</a:t>
             </a:fld>
             <a:endParaRPr lang="en-US"/>
@@ -2697,7 +3929,8 @@
           <a:p>
             <a:fld id="{147A184A-ADA6-4751-8E63-A4C1A2538450}" type="datetimeFigureOut">
               <a:rPr lang="en-US" smtClean="0"/>
-              <a:t>3/15/2013</a:t>
+              <a:pPr/>
+              <a:t>3/17/2013</a:t>
             </a:fld>
             <a:endParaRPr lang="en-US"/>
           </a:p>
@@ -2739,6 +3972,7 @@
           <a:p>
             <a:fld id="{1ABC974E-B3DF-41BF-9A7B-181A757EC781}" type="slidenum">
               <a:rPr lang="en-US" smtClean="0"/>
+              <a:pPr/>
               <a:t>‹#›</a:t>
             </a:fld>
             <a:endParaRPr lang="en-US"/>
@@ -2810,7 +4044,8 @@
           <a:p>
             <a:fld id="{147A184A-ADA6-4751-8E63-A4C1A2538450}" type="datetimeFigureOut">
               <a:rPr lang="en-US" smtClean="0"/>
-              <a:t>3/15/2013</a:t>
+              <a:pPr/>
+              <a:t>3/17/2013</a:t>
             </a:fld>
             <a:endParaRPr lang="en-US"/>
           </a:p>
@@ -2852,6 +4087,7 @@
           <a:p>
             <a:fld id="{1ABC974E-B3DF-41BF-9A7B-181A757EC781}" type="slidenum">
               <a:rPr lang="en-US" smtClean="0"/>
+              <a:pPr/>
               <a:t>‹#›</a:t>
             </a:fld>
             <a:endParaRPr lang="en-US"/>
@@ -2900,7 +4136,8 @@
           <a:p>
             <a:fld id="{147A184A-ADA6-4751-8E63-A4C1A2538450}" type="datetimeFigureOut">
               <a:rPr lang="en-US" smtClean="0"/>
-              <a:t>3/15/2013</a:t>
+              <a:pPr/>
+              <a:t>3/17/2013</a:t>
             </a:fld>
             <a:endParaRPr lang="en-US"/>
           </a:p>
@@ -2942,6 +4179,7 @@
           <a:p>
             <a:fld id="{1ABC974E-B3DF-41BF-9A7B-181A757EC781}" type="slidenum">
               <a:rPr lang="en-US" smtClean="0"/>
+              <a:pPr/>
               <a:t>‹#›</a:t>
             </a:fld>
             <a:endParaRPr lang="en-US"/>
@@ -3172,7 +4410,8 @@
           <a:p>
             <a:fld id="{147A184A-ADA6-4751-8E63-A4C1A2538450}" type="datetimeFigureOut">
               <a:rPr lang="en-US" smtClean="0"/>
-              <a:t>3/15/2013</a:t>
+              <a:pPr/>
+              <a:t>3/17/2013</a:t>
             </a:fld>
             <a:endParaRPr lang="en-US"/>
           </a:p>
@@ -3214,6 +4453,7 @@
           <a:p>
             <a:fld id="{1ABC974E-B3DF-41BF-9A7B-181A757EC781}" type="slidenum">
               <a:rPr lang="en-US" smtClean="0"/>
+              <a:pPr/>
               <a:t>‹#›</a:t>
             </a:fld>
             <a:endParaRPr lang="en-US"/>
@@ -3420,7 +4660,8 @@
           <a:p>
             <a:fld id="{147A184A-ADA6-4751-8E63-A4C1A2538450}" type="datetimeFigureOut">
               <a:rPr lang="en-US" smtClean="0"/>
-              <a:t>3/15/2013</a:t>
+              <a:pPr/>
+              <a:t>3/17/2013</a:t>
             </a:fld>
             <a:endParaRPr lang="en-US"/>
           </a:p>
@@ -3462,6 +4703,7 @@
           <a:p>
             <a:fld id="{1ABC974E-B3DF-41BF-9A7B-181A757EC781}" type="slidenum">
               <a:rPr lang="en-US" smtClean="0"/>
+              <a:pPr/>
               <a:t>‹#›</a:t>
             </a:fld>
             <a:endParaRPr lang="en-US"/>
@@ -3628,7 +4870,8 @@
           <a:p>
             <a:fld id="{147A184A-ADA6-4751-8E63-A4C1A2538450}" type="datetimeFigureOut">
               <a:rPr lang="en-US" smtClean="0"/>
-              <a:t>3/15/2013</a:t>
+              <a:pPr/>
+              <a:t>3/17/2013</a:t>
             </a:fld>
             <a:endParaRPr lang="en-US"/>
           </a:p>
@@ -3706,6 +4949,7 @@
           <a:p>
             <a:fld id="{1ABC974E-B3DF-41BF-9A7B-181A757EC781}" type="slidenum">
               <a:rPr lang="en-US" smtClean="0"/>
+              <a:pPr/>
               <a:t>‹#›</a:t>
             </a:fld>
             <a:endParaRPr lang="en-US"/>
@@ -4517,6 +5761,40 @@
           </a:p>
         </p:txBody>
       </p:sp>
+      <p:sp>
+        <p:nvSpPr>
+          <p:cNvPr id="12" name="TextBox 11"/>
+          <p:cNvSpPr txBox="1"/>
+          <p:nvPr/>
+        </p:nvSpPr>
+        <p:spPr>
+          <a:xfrm>
+            <a:off x="8153400" y="0"/>
+            <a:ext cx="990600" cy="461665"/>
+          </a:xfrm>
+          <a:prstGeom prst="rect">
+            <a:avLst/>
+          </a:prstGeom>
+          <a:solidFill>
+            <a:schemeClr val="bg2">
+              <a:lumMod val="75000"/>
+            </a:schemeClr>
+          </a:solidFill>
+        </p:spPr>
+        <p:txBody>
+          <a:bodyPr wrap="square" rtlCol="0">
+            <a:spAutoFit/>
+          </a:bodyPr>
+          <a:lstStyle/>
+          <a:p>
+            <a:r>
+              <a:rPr lang="en-US" sz="2400" dirty="0" smtClean="0"/>
+              <a:t>Tools</a:t>
+            </a:r>
+            <a:endParaRPr lang="en-US" sz="2400" dirty="0"/>
+          </a:p>
+        </p:txBody>
+      </p:sp>
     </p:spTree>
   </p:cSld>
   <p:clrMapOvr>
@@ -4817,8 +6095,8 @@
           <a:p>
             <a:pPr algn="ctr"/>
             <a:r>
-              <a:rPr lang="en-US" sz="4800" dirty="0" err="1" smtClean="0"/>
-              <a:t>SoapUI</a:t>
+              <a:rPr lang="en-US" sz="4800" dirty="0" smtClean="0"/>
+              <a:t>Fiddler</a:t>
             </a:r>
             <a:endParaRPr lang="en-US" sz="4800" dirty="0" smtClean="0"/>
           </a:p>
@@ -4858,8 +6136,8 @@
         </p:nvSpPr>
         <p:spPr>
           <a:xfrm>
-            <a:off x="7772400" y="0"/>
-            <a:ext cx="1371600" cy="584775"/>
+            <a:off x="8153400" y="0"/>
+            <a:ext cx="990600" cy="461665"/>
           </a:xfrm>
           <a:prstGeom prst="rect">
             <a:avLst/>
@@ -4877,10 +6155,2047 @@
           <a:lstStyle/>
           <a:p>
             <a:r>
-              <a:rPr lang="en-US" sz="3200" dirty="0" err="1" smtClean="0"/>
-              <a:t>SoapUI</a:t>
-            </a:r>
-            <a:endParaRPr lang="en-US" sz="3200" dirty="0"/>
+              <a:rPr lang="en-US" sz="2400" dirty="0" smtClean="0"/>
+              <a:t>Tools</a:t>
+            </a:r>
+            <a:endParaRPr lang="en-US" sz="2400" dirty="0"/>
+          </a:p>
+        </p:txBody>
+      </p:sp>
+      <p:sp>
+        <p:nvSpPr>
+          <p:cNvPr id="9" name="TextBox 8"/>
+          <p:cNvSpPr txBox="1"/>
+          <p:nvPr/>
+        </p:nvSpPr>
+        <p:spPr>
+          <a:xfrm>
+            <a:off x="685800" y="1524000"/>
+            <a:ext cx="7772400" cy="4524315"/>
+          </a:xfrm>
+          <a:prstGeom prst="rect">
+            <a:avLst/>
+          </a:prstGeom>
+          <a:noFill/>
+        </p:spPr>
+        <p:txBody>
+          <a:bodyPr wrap="square" rtlCol="0">
+            <a:spAutoFit/>
+          </a:bodyPr>
+          <a:lstStyle/>
+          <a:p>
+            <a:r>
+              <a:rPr lang="en-US" sz="3600" dirty="0" smtClean="0"/>
+              <a:t>Proxy Server on the client</a:t>
+            </a:r>
+            <a:br>
+              <a:rPr lang="en-US" sz="3600" dirty="0" smtClean="0"/>
+            </a:br>
+            <a:r>
+              <a:rPr lang="en-US" sz="3600" dirty="0" smtClean="0"/>
+              <a:t>Freeware (but not open source)</a:t>
+            </a:r>
+          </a:p>
+          <a:p>
+            <a:r>
+              <a:rPr lang="en-US" sz="3600" dirty="0" smtClean="0"/>
+              <a:t>Listens to all web traffic</a:t>
+            </a:r>
+          </a:p>
+          <a:p>
+            <a:pPr marL="457200" indent="457200">
+              <a:buFont typeface="Calibri" pitchFamily="34" charset="0"/>
+              <a:buChar char="›"/>
+            </a:pPr>
+            <a:r>
+              <a:rPr lang="en-US" sz="2400" dirty="0" smtClean="0"/>
+              <a:t>HTTP/HTTPS</a:t>
+            </a:r>
+          </a:p>
+          <a:p>
+            <a:pPr marL="457200" indent="457200">
+              <a:buFont typeface="Calibri" pitchFamily="34" charset="0"/>
+              <a:buChar char="›"/>
+            </a:pPr>
+            <a:r>
+              <a:rPr lang="en-US" sz="2400" dirty="0" smtClean="0"/>
+              <a:t>Browser</a:t>
+            </a:r>
+          </a:p>
+          <a:p>
+            <a:pPr marL="457200" indent="457200">
+              <a:buFont typeface="Calibri" pitchFamily="34" charset="0"/>
+              <a:buChar char="›"/>
+            </a:pPr>
+            <a:r>
+              <a:rPr lang="en-US" sz="2400" dirty="0" smtClean="0"/>
+              <a:t>Non Browser</a:t>
+            </a:r>
+          </a:p>
+          <a:p>
+            <a:r>
+              <a:rPr lang="en-US" sz="3600" dirty="0" smtClean="0"/>
+              <a:t>Modify or send custom requests</a:t>
+            </a:r>
+          </a:p>
+          <a:p>
+            <a:endParaRPr lang="en-US" sz="3600" dirty="0" smtClean="0"/>
+          </a:p>
+          <a:p>
+            <a:pPr algn="ctr"/>
+            <a:r>
+              <a:rPr lang="en-US" sz="3600" dirty="0" smtClean="0">
+                <a:hlinkClick r:id="rId5"/>
+              </a:rPr>
+              <a:t>http://</a:t>
+            </a:r>
+            <a:r>
+              <a:rPr lang="en-US" sz="3600" dirty="0" smtClean="0">
+                <a:hlinkClick r:id="rId5"/>
+              </a:rPr>
+              <a:t>www.fiddler2.com</a:t>
+            </a:r>
+            <a:endParaRPr lang="en-US" sz="3600" dirty="0" smtClean="0"/>
+          </a:p>
+        </p:txBody>
+      </p:sp>
+    </p:spTree>
+  </p:cSld>
+  <p:clrMapOvr>
+    <a:masterClrMapping/>
+  </p:clrMapOvr>
+  <p:timing>
+    <p:tnLst>
+      <p:par>
+        <p:cTn id="1" dur="indefinite" restart="never" nodeType="tmRoot"/>
+      </p:par>
+    </p:tnLst>
+  </p:timing>
+</p:sld>
+</file>
+
+<file path=ppt/slides/slide4.xml><?xml version="1.0" encoding="utf-8"?>
+<p:sld xmlns:a="http://schemas.openxmlformats.org/drawingml/2006/main" xmlns:r="http://schemas.openxmlformats.org/officeDocument/2006/relationships" xmlns:p="http://schemas.openxmlformats.org/presentationml/2006/main">
+  <p:cSld>
+    <p:spTree>
+      <p:nvGrpSpPr>
+        <p:cNvPr id="1" name=""/>
+        <p:cNvGrpSpPr/>
+        <p:nvPr/>
+      </p:nvGrpSpPr>
+      <p:grpSpPr>
+        <a:xfrm>
+          <a:off x="0" y="0"/>
+          <a:ext cx="0" cy="0"/>
+          <a:chOff x="0" y="0"/>
+          <a:chExt cx="0" cy="0"/>
+        </a:xfrm>
+      </p:grpSpPr>
+      <p:sp>
+        <p:nvSpPr>
+          <p:cNvPr id="4" name="Rectangle 3"/>
+          <p:cNvSpPr/>
+          <p:nvPr/>
+        </p:nvSpPr>
+        <p:spPr>
+          <a:xfrm>
+            <a:off x="0" y="6096000"/>
+            <a:ext cx="9144000" cy="762000"/>
+          </a:xfrm>
+          <a:prstGeom prst="rect">
+            <a:avLst/>
+          </a:prstGeom>
+          <a:solidFill>
+            <a:schemeClr val="tx1">
+              <a:lumMod val="85000"/>
+              <a:lumOff val="15000"/>
+            </a:schemeClr>
+          </a:solidFill>
+        </p:spPr>
+        <p:style>
+          <a:lnRef idx="2">
+            <a:schemeClr val="accent1">
+              <a:shade val="50000"/>
+            </a:schemeClr>
+          </a:lnRef>
+          <a:fillRef idx="1">
+            <a:schemeClr val="accent1"/>
+          </a:fillRef>
+          <a:effectRef idx="0">
+            <a:schemeClr val="accent1"/>
+          </a:effectRef>
+          <a:fontRef idx="minor">
+            <a:schemeClr val="lt1"/>
+          </a:fontRef>
+        </p:style>
+        <p:txBody>
+          <a:bodyPr rtlCol="0" anchor="ctr"/>
+          <a:lstStyle/>
+          <a:p>
+            <a:pPr algn="ctr"/>
+            <a:endParaRPr lang="en-US"/>
+          </a:p>
+        </p:txBody>
+      </p:sp>
+      <p:pic>
+        <p:nvPicPr>
+          <p:cNvPr id="1027" name="Picture 3"/>
+          <p:cNvPicPr>
+            <a:picLocks noChangeAspect="1" noChangeArrowheads="1"/>
+          </p:cNvPicPr>
+          <p:nvPr/>
+        </p:nvPicPr>
+        <p:blipFill>
+          <a:blip r:embed="rId3" cstate="print"/>
+          <a:srcRect/>
+          <a:stretch>
+            <a:fillRect/>
+          </a:stretch>
+        </p:blipFill>
+        <p:spPr bwMode="auto">
+          <a:xfrm>
+            <a:off x="228600" y="6248400"/>
+            <a:ext cx="1371600" cy="410346"/>
+          </a:xfrm>
+          <a:prstGeom prst="rect">
+            <a:avLst/>
+          </a:prstGeom>
+          <a:noFill/>
+          <a:ln w="9525">
+            <a:noFill/>
+            <a:miter lim="800000"/>
+            <a:headEnd/>
+            <a:tailEnd/>
+          </a:ln>
+          <a:effectLst/>
+        </p:spPr>
+      </p:pic>
+      <p:sp>
+        <p:nvSpPr>
+          <p:cNvPr id="10" name="TextBox 9"/>
+          <p:cNvSpPr txBox="1"/>
+          <p:nvPr/>
+        </p:nvSpPr>
+        <p:spPr>
+          <a:xfrm>
+            <a:off x="1905000" y="6324600"/>
+            <a:ext cx="4648200" cy="369332"/>
+          </a:xfrm>
+          <a:prstGeom prst="rect">
+            <a:avLst/>
+          </a:prstGeom>
+          <a:noFill/>
+        </p:spPr>
+        <p:txBody>
+          <a:bodyPr wrap="square" rtlCol="0">
+            <a:spAutoFit/>
+          </a:bodyPr>
+          <a:lstStyle/>
+          <a:p>
+            <a:pPr algn="ctr"/>
+            <a:r>
+              <a:rPr lang="en-US" dirty="0" smtClean="0">
+                <a:solidFill>
+                  <a:schemeClr val="bg1"/>
+                </a:solidFill>
+                <a:latin typeface="Verdana" pitchFamily="34" charset="0"/>
+                <a:ea typeface="Verdana" pitchFamily="34" charset="0"/>
+                <a:cs typeface="Verdana" pitchFamily="34" charset="0"/>
+              </a:rPr>
+              <a:t>Tools for testing web services</a:t>
+            </a:r>
+            <a:endParaRPr lang="en-US" dirty="0">
+              <a:solidFill>
+                <a:schemeClr val="bg1"/>
+              </a:solidFill>
+              <a:latin typeface="Verdana" pitchFamily="34" charset="0"/>
+              <a:ea typeface="Verdana" pitchFamily="34" charset="0"/>
+              <a:cs typeface="Verdana" pitchFamily="34" charset="0"/>
+            </a:endParaRPr>
+          </a:p>
+        </p:txBody>
+      </p:sp>
+      <p:pic>
+        <p:nvPicPr>
+          <p:cNvPr id="1033" name="Picture 9"/>
+          <p:cNvPicPr>
+            <a:picLocks noChangeAspect="1" noChangeArrowheads="1"/>
+          </p:cNvPicPr>
+          <p:nvPr/>
+        </p:nvPicPr>
+        <p:blipFill>
+          <a:blip r:embed="rId4" cstate="print"/>
+          <a:srcRect/>
+          <a:stretch>
+            <a:fillRect/>
+          </a:stretch>
+        </p:blipFill>
+        <p:spPr bwMode="auto">
+          <a:xfrm>
+            <a:off x="6934202" y="6248400"/>
+            <a:ext cx="1981195" cy="431239"/>
+          </a:xfrm>
+          <a:prstGeom prst="rect">
+            <a:avLst/>
+          </a:prstGeom>
+          <a:noFill/>
+          <a:ln w="9525">
+            <a:noFill/>
+            <a:miter lim="800000"/>
+            <a:headEnd/>
+            <a:tailEnd/>
+          </a:ln>
+          <a:effectLst/>
+        </p:spPr>
+      </p:pic>
+      <p:sp>
+        <p:nvSpPr>
+          <p:cNvPr id="18" name="TextBox 17"/>
+          <p:cNvSpPr txBox="1"/>
+          <p:nvPr/>
+        </p:nvSpPr>
+        <p:spPr>
+          <a:xfrm>
+            <a:off x="0" y="609600"/>
+            <a:ext cx="9144000" cy="830997"/>
+          </a:xfrm>
+          <a:prstGeom prst="rect">
+            <a:avLst/>
+          </a:prstGeom>
+          <a:noFill/>
+        </p:spPr>
+        <p:txBody>
+          <a:bodyPr wrap="square" rtlCol="0">
+            <a:spAutoFit/>
+          </a:bodyPr>
+          <a:lstStyle/>
+          <a:p>
+            <a:pPr algn="ctr"/>
+            <a:r>
+              <a:rPr lang="en-US" sz="4800" dirty="0" err="1" smtClean="0"/>
+              <a:t>WebInject</a:t>
+            </a:r>
+            <a:endParaRPr lang="en-US" sz="4800" dirty="0" smtClean="0"/>
+          </a:p>
+        </p:txBody>
+      </p:sp>
+      <p:sp>
+        <p:nvSpPr>
+          <p:cNvPr id="7" name="TextBox 6"/>
+          <p:cNvSpPr txBox="1"/>
+          <p:nvPr/>
+        </p:nvSpPr>
+        <p:spPr>
+          <a:xfrm>
+            <a:off x="381000" y="1676400"/>
+            <a:ext cx="8763000" cy="646331"/>
+          </a:xfrm>
+          <a:prstGeom prst="rect">
+            <a:avLst/>
+          </a:prstGeom>
+          <a:noFill/>
+        </p:spPr>
+        <p:txBody>
+          <a:bodyPr wrap="square" rtlCol="0">
+            <a:spAutoFit/>
+          </a:bodyPr>
+          <a:lstStyle/>
+          <a:p>
+            <a:endParaRPr lang="en-US" sz="3600" dirty="0" smtClean="0"/>
+          </a:p>
+        </p:txBody>
+      </p:sp>
+      <p:sp>
+        <p:nvSpPr>
+          <p:cNvPr id="12" name="TextBox 11"/>
+          <p:cNvSpPr txBox="1"/>
+          <p:nvPr/>
+        </p:nvSpPr>
+        <p:spPr>
+          <a:xfrm>
+            <a:off x="8153400" y="0"/>
+            <a:ext cx="990600" cy="461665"/>
+          </a:xfrm>
+          <a:prstGeom prst="rect">
+            <a:avLst/>
+          </a:prstGeom>
+          <a:solidFill>
+            <a:schemeClr val="bg2">
+              <a:lumMod val="75000"/>
+            </a:schemeClr>
+          </a:solidFill>
+        </p:spPr>
+        <p:txBody>
+          <a:bodyPr wrap="square" rtlCol="0">
+            <a:spAutoFit/>
+          </a:bodyPr>
+          <a:lstStyle/>
+          <a:p>
+            <a:r>
+              <a:rPr lang="en-US" sz="2400" dirty="0" smtClean="0"/>
+              <a:t>Tools</a:t>
+            </a:r>
+            <a:endParaRPr lang="en-US" sz="2400" dirty="0"/>
+          </a:p>
+        </p:txBody>
+      </p:sp>
+      <p:sp>
+        <p:nvSpPr>
+          <p:cNvPr id="9" name="TextBox 8"/>
+          <p:cNvSpPr txBox="1"/>
+          <p:nvPr/>
+        </p:nvSpPr>
+        <p:spPr>
+          <a:xfrm>
+            <a:off x="685800" y="1905000"/>
+            <a:ext cx="7772400" cy="3970318"/>
+          </a:xfrm>
+          <a:prstGeom prst="rect">
+            <a:avLst/>
+          </a:prstGeom>
+          <a:noFill/>
+        </p:spPr>
+        <p:txBody>
+          <a:bodyPr wrap="square" rtlCol="0">
+            <a:spAutoFit/>
+          </a:bodyPr>
+          <a:lstStyle/>
+          <a:p>
+            <a:r>
+              <a:rPr lang="en-US" sz="3600" dirty="0" smtClean="0"/>
+              <a:t>HTTP Testing tool</a:t>
+            </a:r>
+          </a:p>
+          <a:p>
+            <a:r>
+              <a:rPr lang="en-US" sz="3600" dirty="0" smtClean="0"/>
+              <a:t>Open </a:t>
+            </a:r>
+            <a:r>
+              <a:rPr lang="en-US" sz="3600" dirty="0" smtClean="0"/>
+              <a:t>Source</a:t>
+            </a:r>
+          </a:p>
+          <a:p>
+            <a:endParaRPr lang="en-US" sz="3600" b="1" dirty="0" smtClean="0"/>
+          </a:p>
+          <a:p>
+            <a:endParaRPr lang="en-US" sz="3600" dirty="0" smtClean="0"/>
+          </a:p>
+          <a:p>
+            <a:endParaRPr lang="en-US" sz="3600" dirty="0" smtClean="0"/>
+          </a:p>
+          <a:p>
+            <a:endParaRPr lang="en-US" sz="3600" dirty="0" smtClean="0"/>
+          </a:p>
+          <a:p>
+            <a:pPr algn="ctr"/>
+            <a:r>
+              <a:rPr lang="en-US" sz="3600" dirty="0" smtClean="0">
+                <a:hlinkClick r:id="rId5"/>
+              </a:rPr>
+              <a:t>http</a:t>
+            </a:r>
+            <a:r>
+              <a:rPr lang="en-US" sz="3600" dirty="0" smtClean="0">
+                <a:hlinkClick r:id="rId5"/>
+              </a:rPr>
+              <a:t>://</a:t>
+            </a:r>
+            <a:r>
+              <a:rPr lang="en-US" sz="3600" dirty="0" smtClean="0">
+                <a:hlinkClick r:id="rId5"/>
+              </a:rPr>
+              <a:t>webinject.org</a:t>
+            </a:r>
+            <a:endParaRPr lang="en-US" sz="3600" dirty="0" smtClean="0"/>
+          </a:p>
+        </p:txBody>
+      </p:sp>
+    </p:spTree>
+  </p:cSld>
+  <p:clrMapOvr>
+    <a:masterClrMapping/>
+  </p:clrMapOvr>
+  <p:timing>
+    <p:tnLst>
+      <p:par>
+        <p:cTn id="1" dur="indefinite" restart="never" nodeType="tmRoot"/>
+      </p:par>
+    </p:tnLst>
+  </p:timing>
+</p:sld>
+</file>
+
+<file path=ppt/slides/slide5.xml><?xml version="1.0" encoding="utf-8"?>
+<p:sld xmlns:a="http://schemas.openxmlformats.org/drawingml/2006/main" xmlns:r="http://schemas.openxmlformats.org/officeDocument/2006/relationships" xmlns:p="http://schemas.openxmlformats.org/presentationml/2006/main">
+  <p:cSld>
+    <p:spTree>
+      <p:nvGrpSpPr>
+        <p:cNvPr id="1" name=""/>
+        <p:cNvGrpSpPr/>
+        <p:nvPr/>
+      </p:nvGrpSpPr>
+      <p:grpSpPr>
+        <a:xfrm>
+          <a:off x="0" y="0"/>
+          <a:ext cx="0" cy="0"/>
+          <a:chOff x="0" y="0"/>
+          <a:chExt cx="0" cy="0"/>
+        </a:xfrm>
+      </p:grpSpPr>
+      <p:sp>
+        <p:nvSpPr>
+          <p:cNvPr id="4" name="Rectangle 3"/>
+          <p:cNvSpPr/>
+          <p:nvPr/>
+        </p:nvSpPr>
+        <p:spPr>
+          <a:xfrm>
+            <a:off x="0" y="6096000"/>
+            <a:ext cx="9144000" cy="762000"/>
+          </a:xfrm>
+          <a:prstGeom prst="rect">
+            <a:avLst/>
+          </a:prstGeom>
+          <a:solidFill>
+            <a:schemeClr val="tx1">
+              <a:lumMod val="85000"/>
+              <a:lumOff val="15000"/>
+            </a:schemeClr>
+          </a:solidFill>
+        </p:spPr>
+        <p:style>
+          <a:lnRef idx="2">
+            <a:schemeClr val="accent1">
+              <a:shade val="50000"/>
+            </a:schemeClr>
+          </a:lnRef>
+          <a:fillRef idx="1">
+            <a:schemeClr val="accent1"/>
+          </a:fillRef>
+          <a:effectRef idx="0">
+            <a:schemeClr val="accent1"/>
+          </a:effectRef>
+          <a:fontRef idx="minor">
+            <a:schemeClr val="lt1"/>
+          </a:fontRef>
+        </p:style>
+        <p:txBody>
+          <a:bodyPr rtlCol="0" anchor="ctr"/>
+          <a:lstStyle/>
+          <a:p>
+            <a:pPr algn="ctr"/>
+            <a:endParaRPr lang="en-US"/>
+          </a:p>
+        </p:txBody>
+      </p:sp>
+      <p:pic>
+        <p:nvPicPr>
+          <p:cNvPr id="1027" name="Picture 3"/>
+          <p:cNvPicPr>
+            <a:picLocks noChangeAspect="1" noChangeArrowheads="1"/>
+          </p:cNvPicPr>
+          <p:nvPr/>
+        </p:nvPicPr>
+        <p:blipFill>
+          <a:blip r:embed="rId3" cstate="print"/>
+          <a:srcRect/>
+          <a:stretch>
+            <a:fillRect/>
+          </a:stretch>
+        </p:blipFill>
+        <p:spPr bwMode="auto">
+          <a:xfrm>
+            <a:off x="228600" y="6248400"/>
+            <a:ext cx="1371600" cy="410346"/>
+          </a:xfrm>
+          <a:prstGeom prst="rect">
+            <a:avLst/>
+          </a:prstGeom>
+          <a:noFill/>
+          <a:ln w="9525">
+            <a:noFill/>
+            <a:miter lim="800000"/>
+            <a:headEnd/>
+            <a:tailEnd/>
+          </a:ln>
+          <a:effectLst/>
+        </p:spPr>
+      </p:pic>
+      <p:sp>
+        <p:nvSpPr>
+          <p:cNvPr id="10" name="TextBox 9"/>
+          <p:cNvSpPr txBox="1"/>
+          <p:nvPr/>
+        </p:nvSpPr>
+        <p:spPr>
+          <a:xfrm>
+            <a:off x="1905000" y="6324600"/>
+            <a:ext cx="4648200" cy="369332"/>
+          </a:xfrm>
+          <a:prstGeom prst="rect">
+            <a:avLst/>
+          </a:prstGeom>
+          <a:noFill/>
+        </p:spPr>
+        <p:txBody>
+          <a:bodyPr wrap="square" rtlCol="0">
+            <a:spAutoFit/>
+          </a:bodyPr>
+          <a:lstStyle/>
+          <a:p>
+            <a:pPr algn="ctr"/>
+            <a:r>
+              <a:rPr lang="en-US" dirty="0" smtClean="0">
+                <a:solidFill>
+                  <a:schemeClr val="bg1"/>
+                </a:solidFill>
+                <a:latin typeface="Verdana" pitchFamily="34" charset="0"/>
+                <a:ea typeface="Verdana" pitchFamily="34" charset="0"/>
+                <a:cs typeface="Verdana" pitchFamily="34" charset="0"/>
+              </a:rPr>
+              <a:t>Tools for testing web services</a:t>
+            </a:r>
+            <a:endParaRPr lang="en-US" dirty="0">
+              <a:solidFill>
+                <a:schemeClr val="bg1"/>
+              </a:solidFill>
+              <a:latin typeface="Verdana" pitchFamily="34" charset="0"/>
+              <a:ea typeface="Verdana" pitchFamily="34" charset="0"/>
+              <a:cs typeface="Verdana" pitchFamily="34" charset="0"/>
+            </a:endParaRPr>
+          </a:p>
+        </p:txBody>
+      </p:sp>
+      <p:pic>
+        <p:nvPicPr>
+          <p:cNvPr id="1033" name="Picture 9"/>
+          <p:cNvPicPr>
+            <a:picLocks noChangeAspect="1" noChangeArrowheads="1"/>
+          </p:cNvPicPr>
+          <p:nvPr/>
+        </p:nvPicPr>
+        <p:blipFill>
+          <a:blip r:embed="rId4" cstate="print"/>
+          <a:srcRect/>
+          <a:stretch>
+            <a:fillRect/>
+          </a:stretch>
+        </p:blipFill>
+        <p:spPr bwMode="auto">
+          <a:xfrm>
+            <a:off x="6934202" y="6248400"/>
+            <a:ext cx="1981195" cy="431239"/>
+          </a:xfrm>
+          <a:prstGeom prst="rect">
+            <a:avLst/>
+          </a:prstGeom>
+          <a:noFill/>
+          <a:ln w="9525">
+            <a:noFill/>
+            <a:miter lim="800000"/>
+            <a:headEnd/>
+            <a:tailEnd/>
+          </a:ln>
+          <a:effectLst/>
+        </p:spPr>
+      </p:pic>
+      <p:sp>
+        <p:nvSpPr>
+          <p:cNvPr id="18" name="TextBox 17"/>
+          <p:cNvSpPr txBox="1"/>
+          <p:nvPr/>
+        </p:nvSpPr>
+        <p:spPr>
+          <a:xfrm>
+            <a:off x="0" y="609600"/>
+            <a:ext cx="9144000" cy="830997"/>
+          </a:xfrm>
+          <a:prstGeom prst="rect">
+            <a:avLst/>
+          </a:prstGeom>
+          <a:noFill/>
+        </p:spPr>
+        <p:txBody>
+          <a:bodyPr wrap="square" rtlCol="0">
+            <a:spAutoFit/>
+          </a:bodyPr>
+          <a:lstStyle/>
+          <a:p>
+            <a:pPr algn="ctr"/>
+            <a:r>
+              <a:rPr lang="en-US" sz="4800" dirty="0" smtClean="0"/>
+              <a:t>Browser </a:t>
+            </a:r>
+            <a:r>
+              <a:rPr lang="en-US" sz="4800" dirty="0" err="1" smtClean="0"/>
+              <a:t>Plugins</a:t>
+            </a:r>
+            <a:endParaRPr lang="en-US" sz="4800" dirty="0" smtClean="0"/>
+          </a:p>
+        </p:txBody>
+      </p:sp>
+      <p:sp>
+        <p:nvSpPr>
+          <p:cNvPr id="7" name="TextBox 6"/>
+          <p:cNvSpPr txBox="1"/>
+          <p:nvPr/>
+        </p:nvSpPr>
+        <p:spPr>
+          <a:xfrm>
+            <a:off x="381000" y="1752600"/>
+            <a:ext cx="8763000" cy="646331"/>
+          </a:xfrm>
+          <a:prstGeom prst="rect">
+            <a:avLst/>
+          </a:prstGeom>
+          <a:noFill/>
+        </p:spPr>
+        <p:txBody>
+          <a:bodyPr wrap="square" rtlCol="0">
+            <a:spAutoFit/>
+          </a:bodyPr>
+          <a:lstStyle/>
+          <a:p>
+            <a:endParaRPr lang="en-US" sz="3600" dirty="0" smtClean="0"/>
+          </a:p>
+        </p:txBody>
+      </p:sp>
+      <p:sp>
+        <p:nvSpPr>
+          <p:cNvPr id="9" name="TextBox 8"/>
+          <p:cNvSpPr txBox="1"/>
+          <p:nvPr/>
+        </p:nvSpPr>
+        <p:spPr>
+          <a:xfrm>
+            <a:off x="685800" y="1524000"/>
+            <a:ext cx="7772400" cy="3785652"/>
+          </a:xfrm>
+          <a:prstGeom prst="rect">
+            <a:avLst/>
+          </a:prstGeom>
+          <a:noFill/>
+        </p:spPr>
+        <p:txBody>
+          <a:bodyPr wrap="square" rtlCol="0">
+            <a:spAutoFit/>
+          </a:bodyPr>
+          <a:lstStyle/>
+          <a:p>
+            <a:pPr algn="ctr"/>
+            <a:r>
+              <a:rPr lang="en-US" sz="2400" dirty="0" smtClean="0"/>
+              <a:t>C</a:t>
+            </a:r>
+            <a:r>
+              <a:rPr lang="en-US" sz="2400" dirty="0" smtClean="0"/>
+              <a:t>hrome extensions for sending HTTP requests  </a:t>
+            </a:r>
+          </a:p>
+          <a:p>
+            <a:pPr indent="457200"/>
+            <a:endParaRPr lang="en-US" sz="3600" dirty="0" smtClean="0"/>
+          </a:p>
+          <a:p>
+            <a:pPr indent="457200">
+              <a:buFont typeface="Calibri" pitchFamily="34" charset="0"/>
+              <a:buChar char="›"/>
+            </a:pPr>
+            <a:r>
+              <a:rPr lang="en-US" sz="3600" dirty="0" smtClean="0"/>
+              <a:t>Advanced </a:t>
+            </a:r>
+            <a:r>
+              <a:rPr lang="en-US" sz="3600" dirty="0" smtClean="0"/>
+              <a:t>REST </a:t>
+            </a:r>
+            <a:r>
+              <a:rPr lang="en-US" sz="3600" dirty="0" smtClean="0"/>
+              <a:t>client</a:t>
+            </a:r>
+          </a:p>
+          <a:p>
+            <a:pPr indent="457200"/>
+            <a:endParaRPr lang="en-US" sz="3600" dirty="0" smtClean="0"/>
+          </a:p>
+          <a:p>
+            <a:pPr indent="457200">
+              <a:buFont typeface="Calibri" pitchFamily="34" charset="0"/>
+              <a:buChar char="›"/>
+            </a:pPr>
+            <a:r>
+              <a:rPr lang="en-US" sz="3600" dirty="0" smtClean="0"/>
+              <a:t>Postman</a:t>
+            </a:r>
+          </a:p>
+          <a:p>
+            <a:endParaRPr lang="en-US" sz="3600" dirty="0" smtClean="0"/>
+          </a:p>
+          <a:p>
+            <a:endParaRPr lang="en-US" sz="3600" dirty="0"/>
+          </a:p>
+        </p:txBody>
+      </p:sp>
+      <p:sp>
+        <p:nvSpPr>
+          <p:cNvPr id="11" name="TextBox 10"/>
+          <p:cNvSpPr txBox="1"/>
+          <p:nvPr/>
+        </p:nvSpPr>
+        <p:spPr>
+          <a:xfrm>
+            <a:off x="8153400" y="0"/>
+            <a:ext cx="990600" cy="461665"/>
+          </a:xfrm>
+          <a:prstGeom prst="rect">
+            <a:avLst/>
+          </a:prstGeom>
+          <a:solidFill>
+            <a:schemeClr val="bg2">
+              <a:lumMod val="75000"/>
+            </a:schemeClr>
+          </a:solidFill>
+        </p:spPr>
+        <p:txBody>
+          <a:bodyPr wrap="square" rtlCol="0">
+            <a:spAutoFit/>
+          </a:bodyPr>
+          <a:lstStyle/>
+          <a:p>
+            <a:r>
+              <a:rPr lang="en-US" sz="2400" dirty="0" smtClean="0"/>
+              <a:t>Tools</a:t>
+            </a:r>
+            <a:endParaRPr lang="en-US" sz="2400" dirty="0"/>
+          </a:p>
+        </p:txBody>
+      </p:sp>
+    </p:spTree>
+  </p:cSld>
+  <p:clrMapOvr>
+    <a:masterClrMapping/>
+  </p:clrMapOvr>
+  <p:timing>
+    <p:tnLst>
+      <p:par>
+        <p:cTn id="1" dur="indefinite" restart="never" nodeType="tmRoot"/>
+      </p:par>
+    </p:tnLst>
+  </p:timing>
+</p:sld>
+</file>
+
+<file path=ppt/slides/slide6.xml><?xml version="1.0" encoding="utf-8"?>
+<p:sld xmlns:a="http://schemas.openxmlformats.org/drawingml/2006/main" xmlns:r="http://schemas.openxmlformats.org/officeDocument/2006/relationships" xmlns:p="http://schemas.openxmlformats.org/presentationml/2006/main">
+  <p:cSld>
+    <p:spTree>
+      <p:nvGrpSpPr>
+        <p:cNvPr id="1" name=""/>
+        <p:cNvGrpSpPr/>
+        <p:nvPr/>
+      </p:nvGrpSpPr>
+      <p:grpSpPr>
+        <a:xfrm>
+          <a:off x="0" y="0"/>
+          <a:ext cx="0" cy="0"/>
+          <a:chOff x="0" y="0"/>
+          <a:chExt cx="0" cy="0"/>
+        </a:xfrm>
+      </p:grpSpPr>
+      <p:sp>
+        <p:nvSpPr>
+          <p:cNvPr id="4" name="Rectangle 3"/>
+          <p:cNvSpPr/>
+          <p:nvPr/>
+        </p:nvSpPr>
+        <p:spPr>
+          <a:xfrm>
+            <a:off x="0" y="6096000"/>
+            <a:ext cx="9144000" cy="762000"/>
+          </a:xfrm>
+          <a:prstGeom prst="rect">
+            <a:avLst/>
+          </a:prstGeom>
+          <a:solidFill>
+            <a:schemeClr val="tx1">
+              <a:lumMod val="85000"/>
+              <a:lumOff val="15000"/>
+            </a:schemeClr>
+          </a:solidFill>
+        </p:spPr>
+        <p:style>
+          <a:lnRef idx="2">
+            <a:schemeClr val="accent1">
+              <a:shade val="50000"/>
+            </a:schemeClr>
+          </a:lnRef>
+          <a:fillRef idx="1">
+            <a:schemeClr val="accent1"/>
+          </a:fillRef>
+          <a:effectRef idx="0">
+            <a:schemeClr val="accent1"/>
+          </a:effectRef>
+          <a:fontRef idx="minor">
+            <a:schemeClr val="lt1"/>
+          </a:fontRef>
+        </p:style>
+        <p:txBody>
+          <a:bodyPr rtlCol="0" anchor="ctr"/>
+          <a:lstStyle/>
+          <a:p>
+            <a:pPr algn="ctr"/>
+            <a:endParaRPr lang="en-US"/>
+          </a:p>
+        </p:txBody>
+      </p:sp>
+      <p:pic>
+        <p:nvPicPr>
+          <p:cNvPr id="1027" name="Picture 3"/>
+          <p:cNvPicPr>
+            <a:picLocks noChangeAspect="1" noChangeArrowheads="1"/>
+          </p:cNvPicPr>
+          <p:nvPr/>
+        </p:nvPicPr>
+        <p:blipFill>
+          <a:blip r:embed="rId3" cstate="print"/>
+          <a:srcRect/>
+          <a:stretch>
+            <a:fillRect/>
+          </a:stretch>
+        </p:blipFill>
+        <p:spPr bwMode="auto">
+          <a:xfrm>
+            <a:off x="228600" y="6248400"/>
+            <a:ext cx="1371600" cy="410346"/>
+          </a:xfrm>
+          <a:prstGeom prst="rect">
+            <a:avLst/>
+          </a:prstGeom>
+          <a:noFill/>
+          <a:ln w="9525">
+            <a:noFill/>
+            <a:miter lim="800000"/>
+            <a:headEnd/>
+            <a:tailEnd/>
+          </a:ln>
+          <a:effectLst/>
+        </p:spPr>
+      </p:pic>
+      <p:sp>
+        <p:nvSpPr>
+          <p:cNvPr id="10" name="TextBox 9"/>
+          <p:cNvSpPr txBox="1"/>
+          <p:nvPr/>
+        </p:nvSpPr>
+        <p:spPr>
+          <a:xfrm>
+            <a:off x="1905000" y="6324600"/>
+            <a:ext cx="4648200" cy="369332"/>
+          </a:xfrm>
+          <a:prstGeom prst="rect">
+            <a:avLst/>
+          </a:prstGeom>
+          <a:noFill/>
+        </p:spPr>
+        <p:txBody>
+          <a:bodyPr wrap="square" rtlCol="0">
+            <a:spAutoFit/>
+          </a:bodyPr>
+          <a:lstStyle/>
+          <a:p>
+            <a:pPr algn="ctr"/>
+            <a:r>
+              <a:rPr lang="en-US" dirty="0" smtClean="0">
+                <a:solidFill>
+                  <a:schemeClr val="bg1"/>
+                </a:solidFill>
+                <a:latin typeface="Verdana" pitchFamily="34" charset="0"/>
+                <a:ea typeface="Verdana" pitchFamily="34" charset="0"/>
+                <a:cs typeface="Verdana" pitchFamily="34" charset="0"/>
+              </a:rPr>
+              <a:t>Tools for testing web services</a:t>
+            </a:r>
+            <a:endParaRPr lang="en-US" dirty="0">
+              <a:solidFill>
+                <a:schemeClr val="bg1"/>
+              </a:solidFill>
+              <a:latin typeface="Verdana" pitchFamily="34" charset="0"/>
+              <a:ea typeface="Verdana" pitchFamily="34" charset="0"/>
+              <a:cs typeface="Verdana" pitchFamily="34" charset="0"/>
+            </a:endParaRPr>
+          </a:p>
+        </p:txBody>
+      </p:sp>
+      <p:pic>
+        <p:nvPicPr>
+          <p:cNvPr id="1033" name="Picture 9"/>
+          <p:cNvPicPr>
+            <a:picLocks noChangeAspect="1" noChangeArrowheads="1"/>
+          </p:cNvPicPr>
+          <p:nvPr/>
+        </p:nvPicPr>
+        <p:blipFill>
+          <a:blip r:embed="rId4" cstate="print"/>
+          <a:srcRect/>
+          <a:stretch>
+            <a:fillRect/>
+          </a:stretch>
+        </p:blipFill>
+        <p:spPr bwMode="auto">
+          <a:xfrm>
+            <a:off x="6934202" y="6248400"/>
+            <a:ext cx="1981195" cy="431239"/>
+          </a:xfrm>
+          <a:prstGeom prst="rect">
+            <a:avLst/>
+          </a:prstGeom>
+          <a:noFill/>
+          <a:ln w="9525">
+            <a:noFill/>
+            <a:miter lim="800000"/>
+            <a:headEnd/>
+            <a:tailEnd/>
+          </a:ln>
+          <a:effectLst/>
+        </p:spPr>
+      </p:pic>
+      <p:sp>
+        <p:nvSpPr>
+          <p:cNvPr id="18" name="TextBox 17"/>
+          <p:cNvSpPr txBox="1"/>
+          <p:nvPr/>
+        </p:nvSpPr>
+        <p:spPr>
+          <a:xfrm>
+            <a:off x="0" y="990600"/>
+            <a:ext cx="9144000" cy="830997"/>
+          </a:xfrm>
+          <a:prstGeom prst="rect">
+            <a:avLst/>
+          </a:prstGeom>
+          <a:noFill/>
+        </p:spPr>
+        <p:txBody>
+          <a:bodyPr wrap="square" rtlCol="0">
+            <a:spAutoFit/>
+          </a:bodyPr>
+          <a:lstStyle/>
+          <a:p>
+            <a:pPr algn="ctr"/>
+            <a:r>
+              <a:rPr lang="en-US" sz="4800" dirty="0" smtClean="0"/>
+              <a:t>XML Spy</a:t>
+            </a:r>
+          </a:p>
+        </p:txBody>
+      </p:sp>
+      <p:sp>
+        <p:nvSpPr>
+          <p:cNvPr id="7" name="TextBox 6"/>
+          <p:cNvSpPr txBox="1"/>
+          <p:nvPr/>
+        </p:nvSpPr>
+        <p:spPr>
+          <a:xfrm>
+            <a:off x="381000" y="1676400"/>
+            <a:ext cx="8763000" cy="646331"/>
+          </a:xfrm>
+          <a:prstGeom prst="rect">
+            <a:avLst/>
+          </a:prstGeom>
+          <a:noFill/>
+        </p:spPr>
+        <p:txBody>
+          <a:bodyPr wrap="square" rtlCol="0">
+            <a:spAutoFit/>
+          </a:bodyPr>
+          <a:lstStyle/>
+          <a:p>
+            <a:endParaRPr lang="en-US" sz="3600" dirty="0" smtClean="0"/>
+          </a:p>
+        </p:txBody>
+      </p:sp>
+      <p:sp>
+        <p:nvSpPr>
+          <p:cNvPr id="12" name="TextBox 11"/>
+          <p:cNvSpPr txBox="1"/>
+          <p:nvPr/>
+        </p:nvSpPr>
+        <p:spPr>
+          <a:xfrm>
+            <a:off x="8305800" y="0"/>
+            <a:ext cx="838200" cy="461665"/>
+          </a:xfrm>
+          <a:prstGeom prst="rect">
+            <a:avLst/>
+          </a:prstGeom>
+          <a:solidFill>
+            <a:schemeClr val="bg2">
+              <a:lumMod val="75000"/>
+            </a:schemeClr>
+          </a:solidFill>
+        </p:spPr>
+        <p:txBody>
+          <a:bodyPr wrap="square" rtlCol="0">
+            <a:spAutoFit/>
+          </a:bodyPr>
+          <a:lstStyle/>
+          <a:p>
+            <a:r>
+              <a:rPr lang="en-US" sz="2400" dirty="0" smtClean="0"/>
+              <a:t>Tools</a:t>
+            </a:r>
+            <a:endParaRPr lang="en-US" sz="2400" dirty="0"/>
+          </a:p>
+        </p:txBody>
+      </p:sp>
+    </p:spTree>
+  </p:cSld>
+  <p:clrMapOvr>
+    <a:masterClrMapping/>
+  </p:clrMapOvr>
+  <p:timing>
+    <p:tnLst>
+      <p:par>
+        <p:cTn id="1" dur="indefinite" restart="never" nodeType="tmRoot"/>
+      </p:par>
+    </p:tnLst>
+  </p:timing>
+</p:sld>
+</file>
+
+<file path=ppt/slides/slide7.xml><?xml version="1.0" encoding="utf-8"?>
+<p:sld xmlns:a="http://schemas.openxmlformats.org/drawingml/2006/main" xmlns:r="http://schemas.openxmlformats.org/officeDocument/2006/relationships" xmlns:p="http://schemas.openxmlformats.org/presentationml/2006/main">
+  <p:cSld>
+    <p:spTree>
+      <p:nvGrpSpPr>
+        <p:cNvPr id="1" name=""/>
+        <p:cNvGrpSpPr/>
+        <p:nvPr/>
+      </p:nvGrpSpPr>
+      <p:grpSpPr>
+        <a:xfrm>
+          <a:off x="0" y="0"/>
+          <a:ext cx="0" cy="0"/>
+          <a:chOff x="0" y="0"/>
+          <a:chExt cx="0" cy="0"/>
+        </a:xfrm>
+      </p:grpSpPr>
+      <p:sp>
+        <p:nvSpPr>
+          <p:cNvPr id="4" name="Rectangle 3"/>
+          <p:cNvSpPr/>
+          <p:nvPr/>
+        </p:nvSpPr>
+        <p:spPr>
+          <a:xfrm>
+            <a:off x="0" y="6096000"/>
+            <a:ext cx="9144000" cy="762000"/>
+          </a:xfrm>
+          <a:prstGeom prst="rect">
+            <a:avLst/>
+          </a:prstGeom>
+          <a:solidFill>
+            <a:schemeClr val="tx1">
+              <a:lumMod val="85000"/>
+              <a:lumOff val="15000"/>
+            </a:schemeClr>
+          </a:solidFill>
+        </p:spPr>
+        <p:style>
+          <a:lnRef idx="2">
+            <a:schemeClr val="accent1">
+              <a:shade val="50000"/>
+            </a:schemeClr>
+          </a:lnRef>
+          <a:fillRef idx="1">
+            <a:schemeClr val="accent1"/>
+          </a:fillRef>
+          <a:effectRef idx="0">
+            <a:schemeClr val="accent1"/>
+          </a:effectRef>
+          <a:fontRef idx="minor">
+            <a:schemeClr val="lt1"/>
+          </a:fontRef>
+        </p:style>
+        <p:txBody>
+          <a:bodyPr rtlCol="0" anchor="ctr"/>
+          <a:lstStyle/>
+          <a:p>
+            <a:pPr algn="ctr"/>
+            <a:endParaRPr lang="en-US"/>
+          </a:p>
+        </p:txBody>
+      </p:sp>
+      <p:pic>
+        <p:nvPicPr>
+          <p:cNvPr id="1027" name="Picture 3"/>
+          <p:cNvPicPr>
+            <a:picLocks noChangeAspect="1" noChangeArrowheads="1"/>
+          </p:cNvPicPr>
+          <p:nvPr/>
+        </p:nvPicPr>
+        <p:blipFill>
+          <a:blip r:embed="rId3" cstate="print"/>
+          <a:srcRect/>
+          <a:stretch>
+            <a:fillRect/>
+          </a:stretch>
+        </p:blipFill>
+        <p:spPr bwMode="auto">
+          <a:xfrm>
+            <a:off x="228600" y="6248400"/>
+            <a:ext cx="1371600" cy="410346"/>
+          </a:xfrm>
+          <a:prstGeom prst="rect">
+            <a:avLst/>
+          </a:prstGeom>
+          <a:noFill/>
+          <a:ln w="9525">
+            <a:noFill/>
+            <a:miter lim="800000"/>
+            <a:headEnd/>
+            <a:tailEnd/>
+          </a:ln>
+          <a:effectLst/>
+        </p:spPr>
+      </p:pic>
+      <p:sp>
+        <p:nvSpPr>
+          <p:cNvPr id="10" name="TextBox 9"/>
+          <p:cNvSpPr txBox="1"/>
+          <p:nvPr/>
+        </p:nvSpPr>
+        <p:spPr>
+          <a:xfrm>
+            <a:off x="1905000" y="6324600"/>
+            <a:ext cx="4648200" cy="369332"/>
+          </a:xfrm>
+          <a:prstGeom prst="rect">
+            <a:avLst/>
+          </a:prstGeom>
+          <a:noFill/>
+        </p:spPr>
+        <p:txBody>
+          <a:bodyPr wrap="square" rtlCol="0">
+            <a:spAutoFit/>
+          </a:bodyPr>
+          <a:lstStyle/>
+          <a:p>
+            <a:pPr algn="ctr"/>
+            <a:r>
+              <a:rPr lang="en-US" dirty="0" smtClean="0">
+                <a:solidFill>
+                  <a:schemeClr val="bg1"/>
+                </a:solidFill>
+                <a:latin typeface="Verdana" pitchFamily="34" charset="0"/>
+                <a:ea typeface="Verdana" pitchFamily="34" charset="0"/>
+                <a:cs typeface="Verdana" pitchFamily="34" charset="0"/>
+              </a:rPr>
+              <a:t>Tools for testing web services</a:t>
+            </a:r>
+            <a:endParaRPr lang="en-US" dirty="0">
+              <a:solidFill>
+                <a:schemeClr val="bg1"/>
+              </a:solidFill>
+              <a:latin typeface="Verdana" pitchFamily="34" charset="0"/>
+              <a:ea typeface="Verdana" pitchFamily="34" charset="0"/>
+              <a:cs typeface="Verdana" pitchFamily="34" charset="0"/>
+            </a:endParaRPr>
+          </a:p>
+        </p:txBody>
+      </p:sp>
+      <p:pic>
+        <p:nvPicPr>
+          <p:cNvPr id="1033" name="Picture 9"/>
+          <p:cNvPicPr>
+            <a:picLocks noChangeAspect="1" noChangeArrowheads="1"/>
+          </p:cNvPicPr>
+          <p:nvPr/>
+        </p:nvPicPr>
+        <p:blipFill>
+          <a:blip r:embed="rId4" cstate="print"/>
+          <a:srcRect/>
+          <a:stretch>
+            <a:fillRect/>
+          </a:stretch>
+        </p:blipFill>
+        <p:spPr bwMode="auto">
+          <a:xfrm>
+            <a:off x="6934202" y="6248400"/>
+            <a:ext cx="1981195" cy="431239"/>
+          </a:xfrm>
+          <a:prstGeom prst="rect">
+            <a:avLst/>
+          </a:prstGeom>
+          <a:noFill/>
+          <a:ln w="9525">
+            <a:noFill/>
+            <a:miter lim="800000"/>
+            <a:headEnd/>
+            <a:tailEnd/>
+          </a:ln>
+          <a:effectLst/>
+        </p:spPr>
+      </p:pic>
+      <p:sp>
+        <p:nvSpPr>
+          <p:cNvPr id="18" name="TextBox 17"/>
+          <p:cNvSpPr txBox="1"/>
+          <p:nvPr/>
+        </p:nvSpPr>
+        <p:spPr>
+          <a:xfrm>
+            <a:off x="0" y="609600"/>
+            <a:ext cx="9144000" cy="830997"/>
+          </a:xfrm>
+          <a:prstGeom prst="rect">
+            <a:avLst/>
+          </a:prstGeom>
+          <a:noFill/>
+        </p:spPr>
+        <p:txBody>
+          <a:bodyPr wrap="square" rtlCol="0">
+            <a:spAutoFit/>
+          </a:bodyPr>
+          <a:lstStyle/>
+          <a:p>
+            <a:pPr algn="ctr"/>
+            <a:r>
+              <a:rPr lang="en-US" sz="4800" dirty="0" smtClean="0"/>
+              <a:t>JSON View</a:t>
+            </a:r>
+            <a:endParaRPr lang="en-US" sz="4800" dirty="0" smtClean="0"/>
+          </a:p>
+        </p:txBody>
+      </p:sp>
+      <p:sp>
+        <p:nvSpPr>
+          <p:cNvPr id="7" name="TextBox 6"/>
+          <p:cNvSpPr txBox="1"/>
+          <p:nvPr/>
+        </p:nvSpPr>
+        <p:spPr>
+          <a:xfrm>
+            <a:off x="381000" y="1676400"/>
+            <a:ext cx="8763000" cy="646331"/>
+          </a:xfrm>
+          <a:prstGeom prst="rect">
+            <a:avLst/>
+          </a:prstGeom>
+          <a:noFill/>
+        </p:spPr>
+        <p:txBody>
+          <a:bodyPr wrap="square" rtlCol="0">
+            <a:spAutoFit/>
+          </a:bodyPr>
+          <a:lstStyle/>
+          <a:p>
+            <a:endParaRPr lang="en-US" sz="3600" dirty="0" smtClean="0"/>
+          </a:p>
+        </p:txBody>
+      </p:sp>
+      <p:sp>
+        <p:nvSpPr>
+          <p:cNvPr id="9" name="TextBox 8"/>
+          <p:cNvSpPr txBox="1"/>
+          <p:nvPr/>
+        </p:nvSpPr>
+        <p:spPr>
+          <a:xfrm>
+            <a:off x="685800" y="1524000"/>
+            <a:ext cx="8001000" cy="646331"/>
+          </a:xfrm>
+          <a:prstGeom prst="rect">
+            <a:avLst/>
+          </a:prstGeom>
+          <a:noFill/>
+        </p:spPr>
+        <p:txBody>
+          <a:bodyPr wrap="square" rtlCol="0">
+            <a:spAutoFit/>
+          </a:bodyPr>
+          <a:lstStyle/>
+          <a:p>
+            <a:r>
+              <a:rPr lang="en-US" sz="3600" dirty="0" smtClean="0"/>
+              <a:t>Firefox/Chrome Extension to format JSON</a:t>
+            </a:r>
+            <a:endParaRPr lang="en-US" sz="3600" dirty="0"/>
+          </a:p>
+        </p:txBody>
+      </p:sp>
+      <p:sp>
+        <p:nvSpPr>
+          <p:cNvPr id="11" name="TextBox 10"/>
+          <p:cNvSpPr txBox="1"/>
+          <p:nvPr/>
+        </p:nvSpPr>
+        <p:spPr>
+          <a:xfrm>
+            <a:off x="8153400" y="0"/>
+            <a:ext cx="990600" cy="461665"/>
+          </a:xfrm>
+          <a:prstGeom prst="rect">
+            <a:avLst/>
+          </a:prstGeom>
+          <a:solidFill>
+            <a:schemeClr val="bg2">
+              <a:lumMod val="75000"/>
+            </a:schemeClr>
+          </a:solidFill>
+        </p:spPr>
+        <p:txBody>
+          <a:bodyPr wrap="square" rtlCol="0">
+            <a:spAutoFit/>
+          </a:bodyPr>
+          <a:lstStyle/>
+          <a:p>
+            <a:r>
+              <a:rPr lang="en-US" sz="2400" dirty="0" smtClean="0"/>
+              <a:t>Tools</a:t>
+            </a:r>
+            <a:endParaRPr lang="en-US" sz="2400" dirty="0"/>
+          </a:p>
+        </p:txBody>
+      </p:sp>
+    </p:spTree>
+  </p:cSld>
+  <p:clrMapOvr>
+    <a:masterClrMapping/>
+  </p:clrMapOvr>
+  <p:timing>
+    <p:tnLst>
+      <p:par>
+        <p:cTn id="1" dur="indefinite" restart="never" nodeType="tmRoot"/>
+      </p:par>
+    </p:tnLst>
+  </p:timing>
+</p:sld>
+</file>
+
+<file path=ppt/slides/slide8.xml><?xml version="1.0" encoding="utf-8"?>
+<p:sld xmlns:a="http://schemas.openxmlformats.org/drawingml/2006/main" xmlns:r="http://schemas.openxmlformats.org/officeDocument/2006/relationships" xmlns:p="http://schemas.openxmlformats.org/presentationml/2006/main">
+  <p:cSld>
+    <p:spTree>
+      <p:nvGrpSpPr>
+        <p:cNvPr id="1" name=""/>
+        <p:cNvGrpSpPr/>
+        <p:nvPr/>
+      </p:nvGrpSpPr>
+      <p:grpSpPr>
+        <a:xfrm>
+          <a:off x="0" y="0"/>
+          <a:ext cx="0" cy="0"/>
+          <a:chOff x="0" y="0"/>
+          <a:chExt cx="0" cy="0"/>
+        </a:xfrm>
+      </p:grpSpPr>
+      <p:sp>
+        <p:nvSpPr>
+          <p:cNvPr id="4" name="Rectangle 3"/>
+          <p:cNvSpPr/>
+          <p:nvPr/>
+        </p:nvSpPr>
+        <p:spPr>
+          <a:xfrm>
+            <a:off x="0" y="6096000"/>
+            <a:ext cx="9144000" cy="762000"/>
+          </a:xfrm>
+          <a:prstGeom prst="rect">
+            <a:avLst/>
+          </a:prstGeom>
+          <a:solidFill>
+            <a:schemeClr val="tx1">
+              <a:lumMod val="85000"/>
+              <a:lumOff val="15000"/>
+            </a:schemeClr>
+          </a:solidFill>
+        </p:spPr>
+        <p:style>
+          <a:lnRef idx="2">
+            <a:schemeClr val="accent1">
+              <a:shade val="50000"/>
+            </a:schemeClr>
+          </a:lnRef>
+          <a:fillRef idx="1">
+            <a:schemeClr val="accent1"/>
+          </a:fillRef>
+          <a:effectRef idx="0">
+            <a:schemeClr val="accent1"/>
+          </a:effectRef>
+          <a:fontRef idx="minor">
+            <a:schemeClr val="lt1"/>
+          </a:fontRef>
+        </p:style>
+        <p:txBody>
+          <a:bodyPr rtlCol="0" anchor="ctr"/>
+          <a:lstStyle/>
+          <a:p>
+            <a:pPr algn="ctr"/>
+            <a:endParaRPr lang="en-US"/>
+          </a:p>
+        </p:txBody>
+      </p:sp>
+      <p:pic>
+        <p:nvPicPr>
+          <p:cNvPr id="1027" name="Picture 3"/>
+          <p:cNvPicPr>
+            <a:picLocks noChangeAspect="1" noChangeArrowheads="1"/>
+          </p:cNvPicPr>
+          <p:nvPr/>
+        </p:nvPicPr>
+        <p:blipFill>
+          <a:blip r:embed="rId3" cstate="print"/>
+          <a:srcRect/>
+          <a:stretch>
+            <a:fillRect/>
+          </a:stretch>
+        </p:blipFill>
+        <p:spPr bwMode="auto">
+          <a:xfrm>
+            <a:off x="228600" y="6248400"/>
+            <a:ext cx="1371600" cy="410346"/>
+          </a:xfrm>
+          <a:prstGeom prst="rect">
+            <a:avLst/>
+          </a:prstGeom>
+          <a:noFill/>
+          <a:ln w="9525">
+            <a:noFill/>
+            <a:miter lim="800000"/>
+            <a:headEnd/>
+            <a:tailEnd/>
+          </a:ln>
+          <a:effectLst/>
+        </p:spPr>
+      </p:pic>
+      <p:sp>
+        <p:nvSpPr>
+          <p:cNvPr id="10" name="TextBox 9"/>
+          <p:cNvSpPr txBox="1"/>
+          <p:nvPr/>
+        </p:nvSpPr>
+        <p:spPr>
+          <a:xfrm>
+            <a:off x="1905000" y="6324600"/>
+            <a:ext cx="4648200" cy="369332"/>
+          </a:xfrm>
+          <a:prstGeom prst="rect">
+            <a:avLst/>
+          </a:prstGeom>
+          <a:noFill/>
+        </p:spPr>
+        <p:txBody>
+          <a:bodyPr wrap="square" rtlCol="0">
+            <a:spAutoFit/>
+          </a:bodyPr>
+          <a:lstStyle/>
+          <a:p>
+            <a:pPr algn="ctr"/>
+            <a:r>
+              <a:rPr lang="en-US" dirty="0" smtClean="0">
+                <a:solidFill>
+                  <a:schemeClr val="bg1"/>
+                </a:solidFill>
+                <a:latin typeface="Verdana" pitchFamily="34" charset="0"/>
+                <a:ea typeface="Verdana" pitchFamily="34" charset="0"/>
+                <a:cs typeface="Verdana" pitchFamily="34" charset="0"/>
+              </a:rPr>
+              <a:t>Tools for testing web services</a:t>
+            </a:r>
+            <a:endParaRPr lang="en-US" dirty="0">
+              <a:solidFill>
+                <a:schemeClr val="bg1"/>
+              </a:solidFill>
+              <a:latin typeface="Verdana" pitchFamily="34" charset="0"/>
+              <a:ea typeface="Verdana" pitchFamily="34" charset="0"/>
+              <a:cs typeface="Verdana" pitchFamily="34" charset="0"/>
+            </a:endParaRPr>
+          </a:p>
+        </p:txBody>
+      </p:sp>
+      <p:pic>
+        <p:nvPicPr>
+          <p:cNvPr id="1033" name="Picture 9"/>
+          <p:cNvPicPr>
+            <a:picLocks noChangeAspect="1" noChangeArrowheads="1"/>
+          </p:cNvPicPr>
+          <p:nvPr/>
+        </p:nvPicPr>
+        <p:blipFill>
+          <a:blip r:embed="rId4" cstate="print"/>
+          <a:srcRect/>
+          <a:stretch>
+            <a:fillRect/>
+          </a:stretch>
+        </p:blipFill>
+        <p:spPr bwMode="auto">
+          <a:xfrm>
+            <a:off x="6934202" y="6248400"/>
+            <a:ext cx="1981195" cy="431239"/>
+          </a:xfrm>
+          <a:prstGeom prst="rect">
+            <a:avLst/>
+          </a:prstGeom>
+          <a:noFill/>
+          <a:ln w="9525">
+            <a:noFill/>
+            <a:miter lim="800000"/>
+            <a:headEnd/>
+            <a:tailEnd/>
+          </a:ln>
+          <a:effectLst/>
+        </p:spPr>
+      </p:pic>
+      <p:sp>
+        <p:nvSpPr>
+          <p:cNvPr id="18" name="TextBox 17"/>
+          <p:cNvSpPr txBox="1"/>
+          <p:nvPr/>
+        </p:nvSpPr>
+        <p:spPr>
+          <a:xfrm>
+            <a:off x="0" y="990600"/>
+            <a:ext cx="9144000" cy="3970318"/>
+          </a:xfrm>
+          <a:prstGeom prst="rect">
+            <a:avLst/>
+          </a:prstGeom>
+          <a:noFill/>
+        </p:spPr>
+        <p:txBody>
+          <a:bodyPr wrap="square" rtlCol="0">
+            <a:spAutoFit/>
+          </a:bodyPr>
+          <a:lstStyle/>
+          <a:p>
+            <a:pPr algn="ctr"/>
+            <a:r>
+              <a:rPr lang="en-US" sz="4800" dirty="0" smtClean="0"/>
+              <a:t>Parse JSON online</a:t>
+            </a:r>
+          </a:p>
+          <a:p>
+            <a:pPr algn="ctr"/>
+            <a:endParaRPr lang="en-US" sz="4800" dirty="0" smtClean="0"/>
+          </a:p>
+          <a:p>
+            <a:pPr algn="ctr"/>
+            <a:r>
+              <a:rPr lang="en-US" sz="3600" dirty="0" smtClean="0">
+                <a:hlinkClick r:id="rId5"/>
+              </a:rPr>
+              <a:t>http://</a:t>
+            </a:r>
+            <a:r>
+              <a:rPr lang="en-US" sz="3600" dirty="0" smtClean="0">
+                <a:hlinkClick r:id="rId5"/>
+              </a:rPr>
+              <a:t>jsonlint.org</a:t>
+            </a:r>
+            <a:endParaRPr lang="en-US" sz="3600" dirty="0" smtClean="0"/>
+          </a:p>
+          <a:p>
+            <a:pPr algn="ctr"/>
+            <a:endParaRPr lang="en-US" sz="3600" dirty="0" smtClean="0"/>
+          </a:p>
+          <a:p>
+            <a:pPr algn="ctr"/>
+            <a:r>
+              <a:rPr lang="en-US" sz="3600" dirty="0" smtClean="0">
+                <a:hlinkClick r:id="rId6"/>
+              </a:rPr>
+              <a:t>http://jsonviewer.stack.hu</a:t>
+            </a:r>
+            <a:r>
+              <a:rPr lang="en-US" sz="3600" dirty="0" smtClean="0">
+                <a:hlinkClick r:id="rId6"/>
+              </a:rPr>
+              <a:t>/</a:t>
+            </a:r>
+            <a:endParaRPr lang="en-US" sz="3600" dirty="0" smtClean="0"/>
+          </a:p>
+          <a:p>
+            <a:pPr algn="ctr"/>
+            <a:endParaRPr lang="en-US" sz="4800" dirty="0" smtClean="0"/>
+          </a:p>
+        </p:txBody>
+      </p:sp>
+      <p:sp>
+        <p:nvSpPr>
+          <p:cNvPr id="7" name="TextBox 6"/>
+          <p:cNvSpPr txBox="1"/>
+          <p:nvPr/>
+        </p:nvSpPr>
+        <p:spPr>
+          <a:xfrm>
+            <a:off x="381000" y="1676400"/>
+            <a:ext cx="8763000" cy="646331"/>
+          </a:xfrm>
+          <a:prstGeom prst="rect">
+            <a:avLst/>
+          </a:prstGeom>
+          <a:noFill/>
+        </p:spPr>
+        <p:txBody>
+          <a:bodyPr wrap="square" rtlCol="0">
+            <a:spAutoFit/>
+          </a:bodyPr>
+          <a:lstStyle/>
+          <a:p>
+            <a:endParaRPr lang="en-US" sz="3600" dirty="0" smtClean="0"/>
+          </a:p>
+        </p:txBody>
+      </p:sp>
+      <p:sp>
+        <p:nvSpPr>
+          <p:cNvPr id="12" name="TextBox 11"/>
+          <p:cNvSpPr txBox="1"/>
+          <p:nvPr/>
+        </p:nvSpPr>
+        <p:spPr>
+          <a:xfrm>
+            <a:off x="8305800" y="0"/>
+            <a:ext cx="838200" cy="461665"/>
+          </a:xfrm>
+          <a:prstGeom prst="rect">
+            <a:avLst/>
+          </a:prstGeom>
+          <a:solidFill>
+            <a:schemeClr val="bg2">
+              <a:lumMod val="75000"/>
+            </a:schemeClr>
+          </a:solidFill>
+        </p:spPr>
+        <p:txBody>
+          <a:bodyPr wrap="square" rtlCol="0">
+            <a:spAutoFit/>
+          </a:bodyPr>
+          <a:lstStyle/>
+          <a:p>
+            <a:r>
+              <a:rPr lang="en-US" sz="2400" dirty="0" smtClean="0"/>
+              <a:t>Tools</a:t>
+            </a:r>
+            <a:endParaRPr lang="en-US" sz="2400" dirty="0"/>
+          </a:p>
+        </p:txBody>
+      </p:sp>
+    </p:spTree>
+  </p:cSld>
+  <p:clrMapOvr>
+    <a:masterClrMapping/>
+  </p:clrMapOvr>
+  <p:timing>
+    <p:tnLst>
+      <p:par>
+        <p:cTn id="1" dur="indefinite" restart="never" nodeType="tmRoot"/>
+      </p:par>
+    </p:tnLst>
+  </p:timing>
+</p:sld>
+</file>
+
+<file path=ppt/slides/slide9.xml><?xml version="1.0" encoding="utf-8"?>
+<p:sld xmlns:a="http://schemas.openxmlformats.org/drawingml/2006/main" xmlns:r="http://schemas.openxmlformats.org/officeDocument/2006/relationships" xmlns:p="http://schemas.openxmlformats.org/presentationml/2006/main">
+  <p:cSld>
+    <p:spTree>
+      <p:nvGrpSpPr>
+        <p:cNvPr id="1" name=""/>
+        <p:cNvGrpSpPr/>
+        <p:nvPr/>
+      </p:nvGrpSpPr>
+      <p:grpSpPr>
+        <a:xfrm>
+          <a:off x="0" y="0"/>
+          <a:ext cx="0" cy="0"/>
+          <a:chOff x="0" y="0"/>
+          <a:chExt cx="0" cy="0"/>
+        </a:xfrm>
+      </p:grpSpPr>
+      <p:sp>
+        <p:nvSpPr>
+          <p:cNvPr id="4" name="Rectangle 3"/>
+          <p:cNvSpPr/>
+          <p:nvPr/>
+        </p:nvSpPr>
+        <p:spPr>
+          <a:xfrm>
+            <a:off x="0" y="6096000"/>
+            <a:ext cx="9144000" cy="762000"/>
+          </a:xfrm>
+          <a:prstGeom prst="rect">
+            <a:avLst/>
+          </a:prstGeom>
+          <a:solidFill>
+            <a:schemeClr val="tx1">
+              <a:lumMod val="85000"/>
+              <a:lumOff val="15000"/>
+            </a:schemeClr>
+          </a:solidFill>
+        </p:spPr>
+        <p:style>
+          <a:lnRef idx="2">
+            <a:schemeClr val="accent1">
+              <a:shade val="50000"/>
+            </a:schemeClr>
+          </a:lnRef>
+          <a:fillRef idx="1">
+            <a:schemeClr val="accent1"/>
+          </a:fillRef>
+          <a:effectRef idx="0">
+            <a:schemeClr val="accent1"/>
+          </a:effectRef>
+          <a:fontRef idx="minor">
+            <a:schemeClr val="lt1"/>
+          </a:fontRef>
+        </p:style>
+        <p:txBody>
+          <a:bodyPr rtlCol="0" anchor="ctr"/>
+          <a:lstStyle/>
+          <a:p>
+            <a:pPr algn="ctr"/>
+            <a:endParaRPr lang="en-US"/>
+          </a:p>
+        </p:txBody>
+      </p:sp>
+      <p:pic>
+        <p:nvPicPr>
+          <p:cNvPr id="1027" name="Picture 3"/>
+          <p:cNvPicPr>
+            <a:picLocks noChangeAspect="1" noChangeArrowheads="1"/>
+          </p:cNvPicPr>
+          <p:nvPr/>
+        </p:nvPicPr>
+        <p:blipFill>
+          <a:blip r:embed="rId3" cstate="print"/>
+          <a:srcRect/>
+          <a:stretch>
+            <a:fillRect/>
+          </a:stretch>
+        </p:blipFill>
+        <p:spPr bwMode="auto">
+          <a:xfrm>
+            <a:off x="228600" y="6248400"/>
+            <a:ext cx="1371600" cy="410346"/>
+          </a:xfrm>
+          <a:prstGeom prst="rect">
+            <a:avLst/>
+          </a:prstGeom>
+          <a:noFill/>
+          <a:ln w="9525">
+            <a:noFill/>
+            <a:miter lim="800000"/>
+            <a:headEnd/>
+            <a:tailEnd/>
+          </a:ln>
+          <a:effectLst/>
+        </p:spPr>
+      </p:pic>
+      <p:sp>
+        <p:nvSpPr>
+          <p:cNvPr id="10" name="TextBox 9"/>
+          <p:cNvSpPr txBox="1"/>
+          <p:nvPr/>
+        </p:nvSpPr>
+        <p:spPr>
+          <a:xfrm>
+            <a:off x="1905000" y="6324600"/>
+            <a:ext cx="4648200" cy="369332"/>
+          </a:xfrm>
+          <a:prstGeom prst="rect">
+            <a:avLst/>
+          </a:prstGeom>
+          <a:noFill/>
+        </p:spPr>
+        <p:txBody>
+          <a:bodyPr wrap="square" rtlCol="0">
+            <a:spAutoFit/>
+          </a:bodyPr>
+          <a:lstStyle/>
+          <a:p>
+            <a:pPr algn="ctr"/>
+            <a:r>
+              <a:rPr lang="en-US" dirty="0" smtClean="0">
+                <a:solidFill>
+                  <a:schemeClr val="bg1"/>
+                </a:solidFill>
+                <a:latin typeface="Verdana" pitchFamily="34" charset="0"/>
+                <a:ea typeface="Verdana" pitchFamily="34" charset="0"/>
+                <a:cs typeface="Verdana" pitchFamily="34" charset="0"/>
+              </a:rPr>
+              <a:t>Tools for testing web services</a:t>
+            </a:r>
+            <a:endParaRPr lang="en-US" dirty="0">
+              <a:solidFill>
+                <a:schemeClr val="bg1"/>
+              </a:solidFill>
+              <a:latin typeface="Verdana" pitchFamily="34" charset="0"/>
+              <a:ea typeface="Verdana" pitchFamily="34" charset="0"/>
+              <a:cs typeface="Verdana" pitchFamily="34" charset="0"/>
+            </a:endParaRPr>
+          </a:p>
+        </p:txBody>
+      </p:sp>
+      <p:pic>
+        <p:nvPicPr>
+          <p:cNvPr id="1033" name="Picture 9"/>
+          <p:cNvPicPr>
+            <a:picLocks noChangeAspect="1" noChangeArrowheads="1"/>
+          </p:cNvPicPr>
+          <p:nvPr/>
+        </p:nvPicPr>
+        <p:blipFill>
+          <a:blip r:embed="rId4" cstate="print"/>
+          <a:srcRect/>
+          <a:stretch>
+            <a:fillRect/>
+          </a:stretch>
+        </p:blipFill>
+        <p:spPr bwMode="auto">
+          <a:xfrm>
+            <a:off x="6934202" y="6248400"/>
+            <a:ext cx="1981195" cy="431239"/>
+          </a:xfrm>
+          <a:prstGeom prst="rect">
+            <a:avLst/>
+          </a:prstGeom>
+          <a:noFill/>
+          <a:ln w="9525">
+            <a:noFill/>
+            <a:miter lim="800000"/>
+            <a:headEnd/>
+            <a:tailEnd/>
+          </a:ln>
+          <a:effectLst/>
+        </p:spPr>
+      </p:pic>
+      <p:sp>
+        <p:nvSpPr>
+          <p:cNvPr id="18" name="TextBox 17"/>
+          <p:cNvSpPr txBox="1"/>
+          <p:nvPr/>
+        </p:nvSpPr>
+        <p:spPr>
+          <a:xfrm>
+            <a:off x="0" y="990600"/>
+            <a:ext cx="9144000" cy="4708981"/>
+          </a:xfrm>
+          <a:prstGeom prst="rect">
+            <a:avLst/>
+          </a:prstGeom>
+          <a:noFill/>
+        </p:spPr>
+        <p:txBody>
+          <a:bodyPr wrap="square" rtlCol="0">
+            <a:spAutoFit/>
+          </a:bodyPr>
+          <a:lstStyle/>
+          <a:p>
+            <a:pPr algn="ctr"/>
+            <a:r>
+              <a:rPr lang="en-US" sz="4800" dirty="0" smtClean="0"/>
+              <a:t>Check HTTP requests online</a:t>
+            </a:r>
+          </a:p>
+          <a:p>
+            <a:pPr algn="ctr"/>
+            <a:endParaRPr lang="en-US" sz="4800" dirty="0" smtClean="0"/>
+          </a:p>
+          <a:p>
+            <a:pPr algn="ctr"/>
+            <a:r>
+              <a:rPr lang="en-US" sz="3600" dirty="0" smtClean="0">
+                <a:hlinkClick r:id="rId5"/>
+              </a:rPr>
+              <a:t>http://httpbin.org</a:t>
+            </a:r>
+            <a:endParaRPr lang="en-US" sz="3600" dirty="0" smtClean="0"/>
+          </a:p>
+          <a:p>
+            <a:pPr algn="ctr"/>
+            <a:endParaRPr lang="en-US" sz="3600" dirty="0" smtClean="0"/>
+          </a:p>
+          <a:p>
+            <a:pPr algn="ctr"/>
+            <a:r>
+              <a:rPr lang="en-US" sz="3600" dirty="0" smtClean="0">
+                <a:hlinkClick r:id="rId6"/>
+              </a:rPr>
+              <a:t>http://requestb.in/</a:t>
+            </a:r>
+            <a:endParaRPr lang="en-US" sz="3600" dirty="0" smtClean="0"/>
+          </a:p>
+          <a:p>
+            <a:pPr algn="ctr"/>
+            <a:endParaRPr lang="en-US" sz="4800" dirty="0" smtClean="0"/>
+          </a:p>
+          <a:p>
+            <a:pPr algn="ctr"/>
+            <a:endParaRPr lang="en-US" sz="4800" dirty="0" smtClean="0"/>
+          </a:p>
+        </p:txBody>
+      </p:sp>
+      <p:sp>
+        <p:nvSpPr>
+          <p:cNvPr id="7" name="TextBox 6"/>
+          <p:cNvSpPr txBox="1"/>
+          <p:nvPr/>
+        </p:nvSpPr>
+        <p:spPr>
+          <a:xfrm>
+            <a:off x="381000" y="1676400"/>
+            <a:ext cx="8763000" cy="646331"/>
+          </a:xfrm>
+          <a:prstGeom prst="rect">
+            <a:avLst/>
+          </a:prstGeom>
+          <a:noFill/>
+        </p:spPr>
+        <p:txBody>
+          <a:bodyPr wrap="square" rtlCol="0">
+            <a:spAutoFit/>
+          </a:bodyPr>
+          <a:lstStyle/>
+          <a:p>
+            <a:endParaRPr lang="en-US" sz="3600" dirty="0" smtClean="0"/>
+          </a:p>
+        </p:txBody>
+      </p:sp>
+      <p:sp>
+        <p:nvSpPr>
+          <p:cNvPr id="12" name="TextBox 11"/>
+          <p:cNvSpPr txBox="1"/>
+          <p:nvPr/>
+        </p:nvSpPr>
+        <p:spPr>
+          <a:xfrm>
+            <a:off x="8305800" y="0"/>
+            <a:ext cx="838200" cy="461665"/>
+          </a:xfrm>
+          <a:prstGeom prst="rect">
+            <a:avLst/>
+          </a:prstGeom>
+          <a:solidFill>
+            <a:schemeClr val="bg2">
+              <a:lumMod val="75000"/>
+            </a:schemeClr>
+          </a:solidFill>
+        </p:spPr>
+        <p:txBody>
+          <a:bodyPr wrap="square" rtlCol="0">
+            <a:spAutoFit/>
+          </a:bodyPr>
+          <a:lstStyle/>
+          <a:p>
+            <a:r>
+              <a:rPr lang="en-US" sz="2400" dirty="0" smtClean="0"/>
+              <a:t>Tools</a:t>
+            </a:r>
+            <a:endParaRPr lang="en-US" sz="2400" dirty="0"/>
           </a:p>
         </p:txBody>
       </p:sp>
